--- a/Docs/Pitches/AnnoTreePresentation_External.pptx
+++ b/Docs/Pitches/AnnoTreePresentation_External.pptx
@@ -5,18 +5,16 @@
     <p:sldMasterId id="2147483859" r:id="rId1"/>
   </p:sldMasterIdLst>
   <p:notesMasterIdLst>
-    <p:notesMasterId r:id="rId11"/>
+    <p:notesMasterId r:id="rId9"/>
   </p:notesMasterIdLst>
   <p:sldIdLst>
-    <p:sldId id="293" r:id="rId2"/>
-    <p:sldId id="303" r:id="rId3"/>
-    <p:sldId id="296" r:id="rId4"/>
-    <p:sldId id="297" r:id="rId5"/>
-    <p:sldId id="298" r:id="rId6"/>
-    <p:sldId id="299" r:id="rId7"/>
-    <p:sldId id="308" r:id="rId8"/>
-    <p:sldId id="309" r:id="rId9"/>
-    <p:sldId id="310" r:id="rId10"/>
+    <p:sldId id="303" r:id="rId2"/>
+    <p:sldId id="296" r:id="rId3"/>
+    <p:sldId id="312" r:id="rId4"/>
+    <p:sldId id="313" r:id="rId5"/>
+    <p:sldId id="299" r:id="rId6"/>
+    <p:sldId id="310" r:id="rId7"/>
+    <p:sldId id="311" r:id="rId8"/>
   </p:sldIdLst>
   <p:sldSz cx="9144000" cy="6858000" type="screen4x3"/>
   <p:notesSz cx="6858000" cy="9144000"/>
@@ -117,7 +115,7 @@
   </p:defaultTextStyle>
   <p:extLst>
     <p:ext uri="{EFAFB233-063F-42B5-8137-9DF3F51BA10A}">
-      <p15:sldGuideLst xmlns:mc="http://schemas.openxmlformats.org/markup-compatibility/2006" xmlns:mv="urn:schemas-microsoft-com:mac:vml" xmlns:p15="http://schemas.microsoft.com/office/powerpoint/2012/main" xmlns:p="http://schemas.openxmlformats.org/presentationml/2006/main" xmlns:r="http://schemas.openxmlformats.org/officeDocument/2006/relationships" xmlns:a="http://schemas.openxmlformats.org/drawingml/2006/main" xmlns="">
+      <p15:sldGuideLst xmlns="" xmlns:a="http://schemas.openxmlformats.org/drawingml/2006/main" xmlns:r="http://schemas.openxmlformats.org/officeDocument/2006/relationships" xmlns:p="http://schemas.openxmlformats.org/presentationml/2006/main" xmlns:p15="http://schemas.microsoft.com/office/powerpoint/2012/main" xmlns:mv="urn:schemas-microsoft-com:mac:vml" xmlns:mc="http://schemas.openxmlformats.org/markup-compatibility/2006">
         <p15:guide id="1" orient="horz" pos="2160">
           <p15:clr>
             <a:srgbClr val="A4A3A4"/>
@@ -217,7 +215,7 @@
             <a:fld id="{25DB19C6-2A26-5248-A698-E74C0264CF05}" type="datetimeFigureOut">
               <a:rPr lang="en-US" smtClean="0"/>
               <a:pPr/>
-              <a:t>6/10/13</a:t>
+              <a:t>7/29/13</a:t>
             </a:fld>
             <a:endParaRPr lang="en-US"/>
           </a:p>
@@ -386,7 +384,7 @@
     </p:spTree>
     <p:extLst>
       <p:ext uri="{BB962C8B-B14F-4D97-AF65-F5344CB8AC3E}">
-        <p14:creationId xmlns:mc="http://schemas.openxmlformats.org/markup-compatibility/2006" xmlns:mv="urn:schemas-microsoft-com:mac:vml" xmlns:p14="http://schemas.microsoft.com/office/powerpoint/2010/main" xmlns:p="http://schemas.openxmlformats.org/presentationml/2006/main" xmlns:r="http://schemas.openxmlformats.org/officeDocument/2006/relationships" xmlns:a="http://schemas.openxmlformats.org/drawingml/2006/main" xmlns="" val="383900303"/>
+        <p14:creationId xmlns="" xmlns:a="http://schemas.openxmlformats.org/drawingml/2006/main" xmlns:r="http://schemas.openxmlformats.org/officeDocument/2006/relationships" xmlns:p="http://schemas.openxmlformats.org/presentationml/2006/main" xmlns:p14="http://schemas.microsoft.com/office/powerpoint/2010/main" xmlns:mv="urn:schemas-microsoft-com:mac:vml" xmlns:mc="http://schemas.openxmlformats.org/markup-compatibility/2006" val="383900303"/>
       </p:ext>
     </p:extLst>
   </p:cSld>
@@ -527,28 +525,28 @@
         </p:nvSpPr>
         <p:spPr/>
         <p:txBody>
-          <a:bodyPr>
-            <a:normAutofit/>
-          </a:bodyPr>
+          <a:bodyPr/>
           <a:lstStyle/>
           <a:p>
             <a:r>
               <a:rPr lang="en-US" dirty="0" smtClean="0"/>
-              <a:t>Mention company</a:t>
+              <a:t>Sends to cloud</a:t>
+            </a:r>
+          </a:p>
+          <a:p>
+            <a:r>
+              <a:rPr lang="en-US" dirty="0" smtClean="0"/>
+              <a:t>Organized</a:t>
             </a:r>
             <a:r>
               <a:rPr lang="en-US" baseline="0" dirty="0" smtClean="0"/>
-              <a:t> big picture</a:t>
+              <a:t> in CCP</a:t>
             </a:r>
           </a:p>
           <a:p>
             <a:endParaRPr lang="en-US" baseline="0" dirty="0" smtClean="0"/>
           </a:p>
           <a:p>
-            <a:r>
-              <a:rPr lang="en-US" baseline="0" dirty="0" smtClean="0"/>
-              <a:t>A Mobile First company building Beautiful, Intuitive platforms for application and business development</a:t>
-            </a:r>
             <a:endParaRPr lang="en-US" dirty="0"/>
           </a:p>
         </p:txBody>
@@ -578,6 +576,11 @@
         </p:txBody>
       </p:sp>
     </p:spTree>
+    <p:extLst>
+      <p:ext uri="{BB962C8B-B14F-4D97-AF65-F5344CB8AC3E}">
+        <p14:creationId xmlns="" xmlns:a="http://schemas.openxmlformats.org/drawingml/2006/main" xmlns:r="http://schemas.openxmlformats.org/officeDocument/2006/relationships" xmlns:p="http://schemas.openxmlformats.org/presentationml/2006/main" xmlns:p14="http://schemas.microsoft.com/office/powerpoint/2010/main" xmlns:mv="urn:schemas-microsoft-com:mac:vml" xmlns:mc="http://schemas.openxmlformats.org/markup-compatibility/2006" val="2200973422"/>
+      </p:ext>
+    </p:extLst>
   </p:cSld>
   <p:clrMapOvr>
     <a:masterClrMapping/>
@@ -626,26 +629,32 @@
         </p:nvSpPr>
         <p:spPr/>
         <p:txBody>
-          <a:bodyPr/>
-          <a:lstStyle/>
-          <a:p>
+          <a:bodyPr>
+            <a:normAutofit/>
+          </a:bodyPr>
+          <a:lstStyle/>
+          <a:p>
+            <a:pPr marL="0" marR="0" indent="0" algn="l" defTabSz="457200" rtl="0" eaLnBrk="1" fontAlgn="auto" latinLnBrk="0" hangingPunct="1">
+              <a:lnSpc>
+                <a:spcPct val="100000"/>
+              </a:lnSpc>
+              <a:spcBef>
+                <a:spcPts val="0"/>
+              </a:spcBef>
+              <a:spcAft>
+                <a:spcPts val="0"/>
+              </a:spcAft>
+              <a:buClrTx/>
+              <a:buSzTx/>
+              <a:buFontTx/>
+              <a:buNone/>
+              <a:tabLst/>
+              <a:defRPr/>
+            </a:pPr>
             <a:r>
               <a:rPr lang="en-US" dirty="0" smtClean="0"/>
-              <a:t>Sends to cloud</a:t>
-            </a:r>
-          </a:p>
-          <a:p>
-            <a:r>
-              <a:rPr lang="en-US" dirty="0" smtClean="0"/>
-              <a:t>Organized</a:t>
-            </a:r>
-            <a:r>
-              <a:rPr lang="en-US" baseline="0" dirty="0" smtClean="0"/>
-              <a:t> in CCP</a:t>
-            </a:r>
-          </a:p>
-          <a:p>
-            <a:endParaRPr lang="en-US" baseline="0" dirty="0" smtClean="0"/>
+              <a:t>Widget on app implemented with one line of code as an SDK</a:t>
+            </a:r>
           </a:p>
           <a:p>
             <a:endParaRPr lang="en-US" dirty="0"/>
@@ -677,11 +686,6 @@
         </p:txBody>
       </p:sp>
     </p:spTree>
-    <p:extLst>
-      <p:ext uri="{BB962C8B-B14F-4D97-AF65-F5344CB8AC3E}">
-        <p14:creationId xmlns:mc="http://schemas.openxmlformats.org/markup-compatibility/2006" xmlns:mv="urn:schemas-microsoft-com:mac:vml" xmlns:p14="http://schemas.microsoft.com/office/powerpoint/2010/main" xmlns:p="http://schemas.openxmlformats.org/presentationml/2006/main" xmlns:r="http://schemas.openxmlformats.org/officeDocument/2006/relationships" xmlns:a="http://schemas.openxmlformats.org/drawingml/2006/main" xmlns="" val="2200973422"/>
-      </p:ext>
-    </p:extLst>
   </p:cSld>
   <p:clrMapOvr>
     <a:masterClrMapping/>
@@ -835,13 +839,34 @@
         </p:nvSpPr>
         <p:spPr/>
         <p:txBody>
-          <a:bodyPr/>
-          <a:lstStyle/>
-          <a:p>
+          <a:bodyPr>
+            <a:normAutofit/>
+          </a:bodyPr>
+          <a:lstStyle/>
+          <a:p>
+            <a:pPr marL="0" marR="0" indent="0" algn="l" defTabSz="457200" rtl="0" eaLnBrk="1" fontAlgn="auto" latinLnBrk="0" hangingPunct="1">
+              <a:lnSpc>
+                <a:spcPct val="100000"/>
+              </a:lnSpc>
+              <a:spcBef>
+                <a:spcPts val="0"/>
+              </a:spcBef>
+              <a:spcAft>
+                <a:spcPts val="0"/>
+              </a:spcAft>
+              <a:buClrTx/>
+              <a:buSzTx/>
+              <a:buFontTx/>
+              <a:buNone/>
+              <a:tabLst/>
+              <a:defRPr/>
+            </a:pPr>
             <a:r>
               <a:rPr lang="en-US" dirty="0" smtClean="0"/>
-              <a:t>Forest CCP with Notifications</a:t>
-            </a:r>
+              <a:t>Widget on app implemented with one line of code as an SDK</a:t>
+            </a:r>
+          </a:p>
+          <a:p>
             <a:endParaRPr lang="en-US" dirty="0"/>
           </a:p>
         </p:txBody>
@@ -864,18 +889,13 @@
             <a:fld id="{F15AB7BE-EFDC-4D45-B3D0-D415B0B38FCC}" type="slidenum">
               <a:rPr lang="en-US" smtClean="0"/>
               <a:pPr/>
-              <a:t>6</a:t>
+              <a:t>4</a:t>
             </a:fld>
             <a:endParaRPr lang="en-US"/>
           </a:p>
         </p:txBody>
       </p:sp>
     </p:spTree>
-    <p:extLst>
-      <p:ext uri="{BB962C8B-B14F-4D97-AF65-F5344CB8AC3E}">
-        <p14:creationId xmlns:mc="http://schemas.openxmlformats.org/markup-compatibility/2006" xmlns:mv="urn:schemas-microsoft-com:mac:vml" xmlns:p14="http://schemas.microsoft.com/office/powerpoint/2010/main" xmlns:p="http://schemas.openxmlformats.org/presentationml/2006/main" xmlns:r="http://schemas.openxmlformats.org/officeDocument/2006/relationships" xmlns:a="http://schemas.openxmlformats.org/drawingml/2006/main" xmlns="" val="2913269800"/>
-      </p:ext>
-    </p:extLst>
   </p:cSld>
   <p:clrMapOvr>
     <a:masterClrMapping/>
@@ -929,15 +949,7 @@
           <a:p>
             <a:r>
               <a:rPr lang="en-US" dirty="0" smtClean="0"/>
-              <a:t>Tree</a:t>
-            </a:r>
-            <a:r>
-              <a:rPr lang="en-US" baseline="0" dirty="0" smtClean="0"/>
-              <a:t> and Branches </a:t>
-            </a:r>
-            <a:r>
-              <a:rPr lang="en-US" dirty="0" smtClean="0"/>
-              <a:t>CCP with Specific To-Do’s</a:t>
+              <a:t>Forest CCP with Notifications</a:t>
             </a:r>
             <a:endParaRPr lang="en-US" dirty="0"/>
           </a:p>
@@ -961,7 +973,7 @@
             <a:fld id="{F15AB7BE-EFDC-4D45-B3D0-D415B0B38FCC}" type="slidenum">
               <a:rPr lang="en-US" smtClean="0"/>
               <a:pPr/>
-              <a:t>7</a:t>
+              <a:t>5</a:t>
             </a:fld>
             <a:endParaRPr lang="en-US"/>
           </a:p>
@@ -970,7 +982,7 @@
     </p:spTree>
     <p:extLst>
       <p:ext uri="{BB962C8B-B14F-4D97-AF65-F5344CB8AC3E}">
-        <p14:creationId xmlns:mc="http://schemas.openxmlformats.org/markup-compatibility/2006" xmlns:mv="urn:schemas-microsoft-com:mac:vml" xmlns:p14="http://schemas.microsoft.com/office/powerpoint/2010/main" xmlns:p="http://schemas.openxmlformats.org/presentationml/2006/main" xmlns:r="http://schemas.openxmlformats.org/officeDocument/2006/relationships" xmlns:a="http://schemas.openxmlformats.org/drawingml/2006/main" xmlns="" val="1540719256"/>
+        <p14:creationId xmlns="" xmlns:a="http://schemas.openxmlformats.org/drawingml/2006/main" xmlns:r="http://schemas.openxmlformats.org/officeDocument/2006/relationships" xmlns:p="http://schemas.openxmlformats.org/presentationml/2006/main" xmlns:p14="http://schemas.microsoft.com/office/powerpoint/2010/main" xmlns:mv="urn:schemas-microsoft-com:mac:vml" xmlns:mc="http://schemas.openxmlformats.org/markup-compatibility/2006" val="2913269800"/>
       </p:ext>
     </p:extLst>
   </p:cSld>
@@ -1026,15 +1038,7 @@
           <a:p>
             <a:r>
               <a:rPr lang="en-US" dirty="0" smtClean="0"/>
-              <a:t>Tree</a:t>
-            </a:r>
-            <a:r>
-              <a:rPr lang="en-US" baseline="0" dirty="0" smtClean="0"/>
-              <a:t> and Branches </a:t>
-            </a:r>
-            <a:r>
-              <a:rPr lang="en-US" dirty="0" smtClean="0"/>
-              <a:t>CCP with Specific To-Do’s</a:t>
+              <a:t>Forest CCP with Notifications</a:t>
             </a:r>
             <a:endParaRPr lang="en-US" dirty="0"/>
           </a:p>
@@ -1058,7 +1062,7 @@
             <a:fld id="{F15AB7BE-EFDC-4D45-B3D0-D415B0B38FCC}" type="slidenum">
               <a:rPr lang="en-US" smtClean="0"/>
               <a:pPr/>
-              <a:t>8</a:t>
+              <a:t>6</a:t>
             </a:fld>
             <a:endParaRPr lang="en-US"/>
           </a:p>
@@ -1067,7 +1071,7 @@
     </p:spTree>
     <p:extLst>
       <p:ext uri="{BB962C8B-B14F-4D97-AF65-F5344CB8AC3E}">
-        <p14:creationId xmlns:mc="http://schemas.openxmlformats.org/markup-compatibility/2006" xmlns:mv="urn:schemas-microsoft-com:mac:vml" xmlns:p14="http://schemas.microsoft.com/office/powerpoint/2010/main" xmlns:p="http://schemas.openxmlformats.org/presentationml/2006/main" xmlns:r="http://schemas.openxmlformats.org/officeDocument/2006/relationships" xmlns:a="http://schemas.openxmlformats.org/drawingml/2006/main" xmlns="" val="1540719256"/>
+        <p14:creationId xmlns="" xmlns:a="http://schemas.openxmlformats.org/drawingml/2006/main" xmlns:r="http://schemas.openxmlformats.org/officeDocument/2006/relationships" xmlns:p="http://schemas.openxmlformats.org/presentationml/2006/main" xmlns:p14="http://schemas.microsoft.com/office/powerpoint/2010/main" xmlns:mv="urn:schemas-microsoft-com:mac:vml" xmlns:mc="http://schemas.openxmlformats.org/markup-compatibility/2006" val="2913269800"/>
       </p:ext>
     </p:extLst>
   </p:cSld>
@@ -1123,15 +1127,7 @@
           <a:p>
             <a:r>
               <a:rPr lang="en-US" dirty="0" smtClean="0"/>
-              <a:t>Tree</a:t>
-            </a:r>
-            <a:r>
-              <a:rPr lang="en-US" baseline="0" dirty="0" smtClean="0"/>
-              <a:t> and Branches </a:t>
-            </a:r>
-            <a:r>
-              <a:rPr lang="en-US" dirty="0" smtClean="0"/>
-              <a:t>CCP with Specific To-Do’s</a:t>
+              <a:t>Forest CCP with Notifications</a:t>
             </a:r>
             <a:endParaRPr lang="en-US" dirty="0"/>
           </a:p>
@@ -1155,7 +1151,7 @@
             <a:fld id="{F15AB7BE-EFDC-4D45-B3D0-D415B0B38FCC}" type="slidenum">
               <a:rPr lang="en-US" smtClean="0"/>
               <a:pPr/>
-              <a:t>9</a:t>
+              <a:t>7</a:t>
             </a:fld>
             <a:endParaRPr lang="en-US"/>
           </a:p>
@@ -1164,7 +1160,7 @@
     </p:spTree>
     <p:extLst>
       <p:ext uri="{BB962C8B-B14F-4D97-AF65-F5344CB8AC3E}">
-        <p14:creationId xmlns:mc="http://schemas.openxmlformats.org/markup-compatibility/2006" xmlns:mv="urn:schemas-microsoft-com:mac:vml" xmlns:p14="http://schemas.microsoft.com/office/powerpoint/2010/main" xmlns:p="http://schemas.openxmlformats.org/presentationml/2006/main" xmlns:r="http://schemas.openxmlformats.org/officeDocument/2006/relationships" xmlns:a="http://schemas.openxmlformats.org/drawingml/2006/main" xmlns="" val="1540719256"/>
+        <p14:creationId xmlns="" xmlns:a="http://schemas.openxmlformats.org/drawingml/2006/main" xmlns:r="http://schemas.openxmlformats.org/officeDocument/2006/relationships" xmlns:p="http://schemas.openxmlformats.org/presentationml/2006/main" xmlns:p14="http://schemas.microsoft.com/office/powerpoint/2010/main" xmlns:mv="urn:schemas-microsoft-com:mac:vml" xmlns:mc="http://schemas.openxmlformats.org/markup-compatibility/2006" val="2913269800"/>
       </p:ext>
     </p:extLst>
   </p:cSld>
@@ -1306,7 +1302,7 @@
             <a:fld id="{7D0065BE-0657-4A47-90AD-C21C55E16B19}" type="datetime4">
               <a:rPr lang="en-US" smtClean="0"/>
               <a:pPr/>
-              <a:t>June 10, 2013</a:t>
+              <a:t>July 29, 2013</a:t>
             </a:fld>
             <a:endParaRPr lang="en-US"/>
           </a:p>
@@ -1389,7 +1385,7 @@
     </p:spTree>
     <p:extLst>
       <p:ext uri="{BB962C8B-B14F-4D97-AF65-F5344CB8AC3E}">
-        <p14:creationId xmlns:mc="http://schemas.openxmlformats.org/markup-compatibility/2006" xmlns:mv="urn:schemas-microsoft-com:mac:vml" xmlns:p14="http://schemas.microsoft.com/office/powerpoint/2010/main" xmlns:p="http://schemas.openxmlformats.org/presentationml/2006/main" xmlns:r="http://schemas.openxmlformats.org/officeDocument/2006/relationships" xmlns:a="http://schemas.openxmlformats.org/drawingml/2006/main" xmlns="" val="3136660129"/>
+        <p14:creationId xmlns="" xmlns:a="http://schemas.openxmlformats.org/drawingml/2006/main" xmlns:r="http://schemas.openxmlformats.org/officeDocument/2006/relationships" xmlns:p="http://schemas.openxmlformats.org/presentationml/2006/main" xmlns:p14="http://schemas.microsoft.com/office/powerpoint/2010/main" xmlns:mv="urn:schemas-microsoft-com:mac:vml" xmlns:mc="http://schemas.openxmlformats.org/markup-compatibility/2006" val="3136660129"/>
       </p:ext>
     </p:extLst>
   </p:cSld>
@@ -1509,7 +1505,7 @@
             <a:fld id="{A16C3AA4-67BE-44F7-809A-3582401494AF}" type="datetime4">
               <a:rPr lang="en-US" smtClean="0"/>
               <a:pPr/>
-              <a:t>June 10, 2013</a:t>
+              <a:t>July 29, 2013</a:t>
             </a:fld>
             <a:endParaRPr lang="en-US"/>
           </a:p>
@@ -1561,7 +1557,7 @@
     </p:spTree>
     <p:extLst>
       <p:ext uri="{BB962C8B-B14F-4D97-AF65-F5344CB8AC3E}">
-        <p14:creationId xmlns:mc="http://schemas.openxmlformats.org/markup-compatibility/2006" xmlns:mv="urn:schemas-microsoft-com:mac:vml" xmlns:p14="http://schemas.microsoft.com/office/powerpoint/2010/main" xmlns:p="http://schemas.openxmlformats.org/presentationml/2006/main" xmlns:r="http://schemas.openxmlformats.org/officeDocument/2006/relationships" xmlns:a="http://schemas.openxmlformats.org/drawingml/2006/main" xmlns="" val="1975134607"/>
+        <p14:creationId xmlns="" xmlns:a="http://schemas.openxmlformats.org/drawingml/2006/main" xmlns:r="http://schemas.openxmlformats.org/officeDocument/2006/relationships" xmlns:p="http://schemas.openxmlformats.org/presentationml/2006/main" xmlns:p14="http://schemas.microsoft.com/office/powerpoint/2010/main" xmlns:mv="urn:schemas-microsoft-com:mac:vml" xmlns:mc="http://schemas.openxmlformats.org/markup-compatibility/2006" val="1975134607"/>
       </p:ext>
     </p:extLst>
   </p:cSld>
@@ -1691,7 +1687,7 @@
             <a:fld id="{25172EEB-1769-4776-AD69-E7C1260563EB}" type="datetime4">
               <a:rPr lang="en-US" smtClean="0"/>
               <a:pPr/>
-              <a:t>June 10, 2013</a:t>
+              <a:t>July 29, 2013</a:t>
             </a:fld>
             <a:endParaRPr lang="en-US"/>
           </a:p>
@@ -1743,7 +1739,7 @@
     </p:spTree>
     <p:extLst>
       <p:ext uri="{BB962C8B-B14F-4D97-AF65-F5344CB8AC3E}">
-        <p14:creationId xmlns:mc="http://schemas.openxmlformats.org/markup-compatibility/2006" xmlns:mv="urn:schemas-microsoft-com:mac:vml" xmlns:p14="http://schemas.microsoft.com/office/powerpoint/2010/main" xmlns:p="http://schemas.openxmlformats.org/presentationml/2006/main" xmlns:r="http://schemas.openxmlformats.org/officeDocument/2006/relationships" xmlns:a="http://schemas.openxmlformats.org/drawingml/2006/main" xmlns="" val="470510568"/>
+        <p14:creationId xmlns="" xmlns:a="http://schemas.openxmlformats.org/drawingml/2006/main" xmlns:r="http://schemas.openxmlformats.org/officeDocument/2006/relationships" xmlns:p="http://schemas.openxmlformats.org/presentationml/2006/main" xmlns:p14="http://schemas.microsoft.com/office/powerpoint/2010/main" xmlns:mv="urn:schemas-microsoft-com:mac:vml" xmlns:mc="http://schemas.openxmlformats.org/markup-compatibility/2006" val="470510568"/>
       </p:ext>
     </p:extLst>
   </p:cSld>
@@ -1863,7 +1859,7 @@
             <a:fld id="{D47BB8AF-C16A-4836-A92D-61834B5F0BA5}" type="datetime4">
               <a:rPr lang="en-US" smtClean="0"/>
               <a:pPr/>
-              <a:t>June 10, 2013</a:t>
+              <a:t>July 29, 2013</a:t>
             </a:fld>
             <a:endParaRPr lang="en-US"/>
           </a:p>
@@ -1946,7 +1942,7 @@
     </p:spTree>
     <p:extLst>
       <p:ext uri="{BB962C8B-B14F-4D97-AF65-F5344CB8AC3E}">
-        <p14:creationId xmlns:mc="http://schemas.openxmlformats.org/markup-compatibility/2006" xmlns:mv="urn:schemas-microsoft-com:mac:vml" xmlns:p14="http://schemas.microsoft.com/office/powerpoint/2010/main" xmlns:p="http://schemas.openxmlformats.org/presentationml/2006/main" xmlns:r="http://schemas.openxmlformats.org/officeDocument/2006/relationships" xmlns:a="http://schemas.openxmlformats.org/drawingml/2006/main" xmlns="" val="677914460"/>
+        <p14:creationId xmlns="" xmlns:a="http://schemas.openxmlformats.org/drawingml/2006/main" xmlns:r="http://schemas.openxmlformats.org/officeDocument/2006/relationships" xmlns:p="http://schemas.openxmlformats.org/presentationml/2006/main" xmlns:p14="http://schemas.microsoft.com/office/powerpoint/2010/main" xmlns:mv="urn:schemas-microsoft-com:mac:vml" xmlns:mc="http://schemas.openxmlformats.org/markup-compatibility/2006" val="677914460"/>
       </p:ext>
     </p:extLst>
   </p:cSld>
@@ -2142,7 +2138,7 @@
             <a:fld id="{647D2193-4505-4A75-99BB-880C6989A757}" type="datetime4">
               <a:rPr lang="en-US" smtClean="0"/>
               <a:pPr/>
-              <a:t>June 10, 2013</a:t>
+              <a:t>July 29, 2013</a:t>
             </a:fld>
             <a:endParaRPr lang="en-US"/>
           </a:p>
@@ -2194,7 +2190,7 @@
     </p:spTree>
     <p:extLst>
       <p:ext uri="{BB962C8B-B14F-4D97-AF65-F5344CB8AC3E}">
-        <p14:creationId xmlns:mc="http://schemas.openxmlformats.org/markup-compatibility/2006" xmlns:mv="urn:schemas-microsoft-com:mac:vml" xmlns:p14="http://schemas.microsoft.com/office/powerpoint/2010/main" xmlns:p="http://schemas.openxmlformats.org/presentationml/2006/main" xmlns:r="http://schemas.openxmlformats.org/officeDocument/2006/relationships" xmlns:a="http://schemas.openxmlformats.org/drawingml/2006/main" xmlns="" val="2376682556"/>
+        <p14:creationId xmlns="" xmlns:a="http://schemas.openxmlformats.org/drawingml/2006/main" xmlns:r="http://schemas.openxmlformats.org/officeDocument/2006/relationships" xmlns:p="http://schemas.openxmlformats.org/presentationml/2006/main" xmlns:p14="http://schemas.microsoft.com/office/powerpoint/2010/main" xmlns:mv="urn:schemas-microsoft-com:mac:vml" xmlns:mc="http://schemas.openxmlformats.org/markup-compatibility/2006" val="2376682556"/>
       </p:ext>
     </p:extLst>
   </p:cSld>
@@ -2376,7 +2372,7 @@
             <a:fld id="{113A18F4-33C3-445B-924C-31108C51719C}" type="datetime4">
               <a:rPr lang="en-US" smtClean="0"/>
               <a:pPr/>
-              <a:t>June 10, 2013</a:t>
+              <a:t>July 29, 2013</a:t>
             </a:fld>
             <a:endParaRPr lang="en-US"/>
           </a:p>
@@ -2428,7 +2424,7 @@
     </p:spTree>
     <p:extLst>
       <p:ext uri="{BB962C8B-B14F-4D97-AF65-F5344CB8AC3E}">
-        <p14:creationId xmlns:mc="http://schemas.openxmlformats.org/markup-compatibility/2006" xmlns:mv="urn:schemas-microsoft-com:mac:vml" xmlns:p14="http://schemas.microsoft.com/office/powerpoint/2010/main" xmlns:p="http://schemas.openxmlformats.org/presentationml/2006/main" xmlns:r="http://schemas.openxmlformats.org/officeDocument/2006/relationships" xmlns:a="http://schemas.openxmlformats.org/drawingml/2006/main" xmlns="" val="3920190784"/>
+        <p14:creationId xmlns="" xmlns:a="http://schemas.openxmlformats.org/drawingml/2006/main" xmlns:r="http://schemas.openxmlformats.org/officeDocument/2006/relationships" xmlns:p="http://schemas.openxmlformats.org/presentationml/2006/main" xmlns:p14="http://schemas.microsoft.com/office/powerpoint/2010/main" xmlns:mv="urn:schemas-microsoft-com:mac:vml" xmlns:mc="http://schemas.openxmlformats.org/markup-compatibility/2006" val="3920190784"/>
       </p:ext>
     </p:extLst>
   </p:cSld>
@@ -2745,7 +2741,7 @@
             <a:fld id="{3AF7543A-E259-478F-9E0D-57BA40E442B7}" type="datetime4">
               <a:rPr lang="en-US" smtClean="0"/>
               <a:pPr/>
-              <a:t>June 10, 2013</a:t>
+              <a:t>July 29, 2013</a:t>
             </a:fld>
             <a:endParaRPr lang="en-US"/>
           </a:p>
@@ -2797,7 +2793,7 @@
     </p:spTree>
     <p:extLst>
       <p:ext uri="{BB962C8B-B14F-4D97-AF65-F5344CB8AC3E}">
-        <p14:creationId xmlns:mc="http://schemas.openxmlformats.org/markup-compatibility/2006" xmlns:mv="urn:schemas-microsoft-com:mac:vml" xmlns:p14="http://schemas.microsoft.com/office/powerpoint/2010/main" xmlns:p="http://schemas.openxmlformats.org/presentationml/2006/main" xmlns:r="http://schemas.openxmlformats.org/officeDocument/2006/relationships" xmlns:a="http://schemas.openxmlformats.org/drawingml/2006/main" xmlns="" val="3490790309"/>
+        <p14:creationId xmlns="" xmlns:a="http://schemas.openxmlformats.org/drawingml/2006/main" xmlns:r="http://schemas.openxmlformats.org/officeDocument/2006/relationships" xmlns:p="http://schemas.openxmlformats.org/presentationml/2006/main" xmlns:p14="http://schemas.microsoft.com/office/powerpoint/2010/main" xmlns:mv="urn:schemas-microsoft-com:mac:vml" xmlns:mc="http://schemas.openxmlformats.org/markup-compatibility/2006" val="3490790309"/>
       </p:ext>
     </p:extLst>
   </p:cSld>
@@ -2865,7 +2861,7 @@
             <a:fld id="{1EFB012D-77A1-44B0-BB26-329BA1EE55C9}" type="datetime4">
               <a:rPr lang="en-US" smtClean="0"/>
               <a:pPr/>
-              <a:t>June 10, 2013</a:t>
+              <a:t>July 29, 2013</a:t>
             </a:fld>
             <a:endParaRPr lang="en-US"/>
           </a:p>
@@ -2917,7 +2913,7 @@
     </p:spTree>
     <p:extLst>
       <p:ext uri="{BB962C8B-B14F-4D97-AF65-F5344CB8AC3E}">
-        <p14:creationId xmlns:mc="http://schemas.openxmlformats.org/markup-compatibility/2006" xmlns:mv="urn:schemas-microsoft-com:mac:vml" xmlns:p14="http://schemas.microsoft.com/office/powerpoint/2010/main" xmlns:p="http://schemas.openxmlformats.org/presentationml/2006/main" xmlns:r="http://schemas.openxmlformats.org/officeDocument/2006/relationships" xmlns:a="http://schemas.openxmlformats.org/drawingml/2006/main" xmlns="" val="2166558004"/>
+        <p14:creationId xmlns="" xmlns:a="http://schemas.openxmlformats.org/drawingml/2006/main" xmlns:r="http://schemas.openxmlformats.org/officeDocument/2006/relationships" xmlns:p="http://schemas.openxmlformats.org/presentationml/2006/main" xmlns:p14="http://schemas.microsoft.com/office/powerpoint/2010/main" xmlns:mv="urn:schemas-microsoft-com:mac:vml" xmlns:mc="http://schemas.openxmlformats.org/markup-compatibility/2006" val="2166558004"/>
       </p:ext>
     </p:extLst>
   </p:cSld>
@@ -2962,7 +2958,7 @@
             <a:fld id="{94B7499E-3031-413E-B01E-B94970708CAA}" type="datetime4">
               <a:rPr lang="en-US" smtClean="0"/>
               <a:pPr/>
-              <a:t>June 10, 2013</a:t>
+              <a:t>July 29, 2013</a:t>
             </a:fld>
             <a:endParaRPr lang="en-US"/>
           </a:p>
@@ -3014,7 +3010,7 @@
     </p:spTree>
     <p:extLst>
       <p:ext uri="{BB962C8B-B14F-4D97-AF65-F5344CB8AC3E}">
-        <p14:creationId xmlns:mc="http://schemas.openxmlformats.org/markup-compatibility/2006" xmlns:mv="urn:schemas-microsoft-com:mac:vml" xmlns:p14="http://schemas.microsoft.com/office/powerpoint/2010/main" xmlns:p="http://schemas.openxmlformats.org/presentationml/2006/main" xmlns:r="http://schemas.openxmlformats.org/officeDocument/2006/relationships" xmlns:a="http://schemas.openxmlformats.org/drawingml/2006/main" xmlns="" val="1052036411"/>
+        <p14:creationId xmlns="" xmlns:a="http://schemas.openxmlformats.org/drawingml/2006/main" xmlns:r="http://schemas.openxmlformats.org/officeDocument/2006/relationships" xmlns:p="http://schemas.openxmlformats.org/presentationml/2006/main" xmlns:p14="http://schemas.microsoft.com/office/powerpoint/2010/main" xmlns:mv="urn:schemas-microsoft-com:mac:vml" xmlns:mc="http://schemas.openxmlformats.org/markup-compatibility/2006" val="1052036411"/>
       </p:ext>
     </p:extLst>
   </p:cSld>
@@ -3241,7 +3237,7 @@
             <a:fld id="{DC7EAB0C-2220-4D0E-A0DD-DB7FA0F742F4}" type="datetime4">
               <a:rPr lang="en-US" smtClean="0"/>
               <a:pPr/>
-              <a:t>June 10, 2013</a:t>
+              <a:t>July 29, 2013</a:t>
             </a:fld>
             <a:endParaRPr lang="en-US"/>
           </a:p>
@@ -3293,7 +3289,7 @@
     </p:spTree>
     <p:extLst>
       <p:ext uri="{BB962C8B-B14F-4D97-AF65-F5344CB8AC3E}">
-        <p14:creationId xmlns:mc="http://schemas.openxmlformats.org/markup-compatibility/2006" xmlns:mv="urn:schemas-microsoft-com:mac:vml" xmlns:p14="http://schemas.microsoft.com/office/powerpoint/2010/main" xmlns:p="http://schemas.openxmlformats.org/presentationml/2006/main" xmlns:r="http://schemas.openxmlformats.org/officeDocument/2006/relationships" xmlns:a="http://schemas.openxmlformats.org/drawingml/2006/main" xmlns="" val="2940642911"/>
+        <p14:creationId xmlns="" xmlns:a="http://schemas.openxmlformats.org/drawingml/2006/main" xmlns:r="http://schemas.openxmlformats.org/officeDocument/2006/relationships" xmlns:p="http://schemas.openxmlformats.org/presentationml/2006/main" xmlns:p14="http://schemas.microsoft.com/office/powerpoint/2010/main" xmlns:mv="urn:schemas-microsoft-com:mac:vml" xmlns:mc="http://schemas.openxmlformats.org/markup-compatibility/2006" val="2940642911"/>
       </p:ext>
     </p:extLst>
   </p:cSld>
@@ -3496,7 +3492,7 @@
             <a:fld id="{E3416D63-31BF-4B94-B6C5-E20B2C63F515}" type="datetime4">
               <a:rPr lang="en-US" smtClean="0"/>
               <a:pPr/>
-              <a:t>June 10, 2013</a:t>
+              <a:t>July 29, 2013</a:t>
             </a:fld>
             <a:endParaRPr lang="en-US"/>
           </a:p>
@@ -3548,7 +3544,7 @@
     </p:spTree>
     <p:extLst>
       <p:ext uri="{BB962C8B-B14F-4D97-AF65-F5344CB8AC3E}">
-        <p14:creationId xmlns:mc="http://schemas.openxmlformats.org/markup-compatibility/2006" xmlns:mv="urn:schemas-microsoft-com:mac:vml" xmlns:p14="http://schemas.microsoft.com/office/powerpoint/2010/main" xmlns:p="http://schemas.openxmlformats.org/presentationml/2006/main" xmlns:r="http://schemas.openxmlformats.org/officeDocument/2006/relationships" xmlns:a="http://schemas.openxmlformats.org/drawingml/2006/main" xmlns="" val="3967931586"/>
+        <p14:creationId xmlns="" xmlns:a="http://schemas.openxmlformats.org/drawingml/2006/main" xmlns:r="http://schemas.openxmlformats.org/officeDocument/2006/relationships" xmlns:p="http://schemas.openxmlformats.org/presentationml/2006/main" xmlns:p14="http://schemas.microsoft.com/office/powerpoint/2010/main" xmlns:mv="urn:schemas-microsoft-com:mac:vml" xmlns:mc="http://schemas.openxmlformats.org/markup-compatibility/2006" val="3967931586"/>
       </p:ext>
     </p:extLst>
   </p:cSld>
@@ -3714,7 +3710,7 @@
             <a:fld id="{62B1B13E-D5AF-485E-81A1-82A140076526}" type="datetime4">
               <a:rPr lang="en-US" smtClean="0"/>
               <a:pPr/>
-              <a:t>June 10, 2013</a:t>
+              <a:t>July 29, 2013</a:t>
             </a:fld>
             <a:endParaRPr lang="en-US" dirty="0"/>
           </a:p>
@@ -3813,7 +3809,7 @@
     </p:spTree>
     <p:extLst>
       <p:ext uri="{BB962C8B-B14F-4D97-AF65-F5344CB8AC3E}">
-        <p14:creationId xmlns:mc="http://schemas.openxmlformats.org/markup-compatibility/2006" xmlns:mv="urn:schemas-microsoft-com:mac:vml" xmlns:p14="http://schemas.microsoft.com/office/powerpoint/2010/main" xmlns:p="http://schemas.openxmlformats.org/presentationml/2006/main" xmlns:r="http://schemas.openxmlformats.org/officeDocument/2006/relationships" xmlns:a="http://schemas.openxmlformats.org/drawingml/2006/main" xmlns="" val="286173797"/>
+        <p14:creationId xmlns="" xmlns:a="http://schemas.openxmlformats.org/drawingml/2006/main" xmlns:r="http://schemas.openxmlformats.org/officeDocument/2006/relationships" xmlns:p="http://schemas.openxmlformats.org/presentationml/2006/main" xmlns:p14="http://schemas.microsoft.com/office/powerpoint/2010/main" xmlns:mv="urn:schemas-microsoft-com:mac:vml" xmlns:mc="http://schemas.openxmlformats.org/markup-compatibility/2006" val="286173797"/>
       </p:ext>
     </p:extLst>
   </p:cSld>
@@ -4118,70 +4114,6 @@
 <file path=ppt/slides/slide1.xml><?xml version="1.0" encoding="utf-8"?>
 <p:sld xmlns:a="http://schemas.openxmlformats.org/drawingml/2006/main" xmlns:r="http://schemas.openxmlformats.org/officeDocument/2006/relationships" xmlns:mc="http://schemas.openxmlformats.org/markup-compatibility/2006" xmlns:mv="urn:schemas-microsoft-com:mac:vml" xmlns:p="http://schemas.openxmlformats.org/presentationml/2006/main" mc:Ignorable="mv" mc:PreserveAttributes="mv:*">
   <p:cSld>
-    <p:bg>
-      <p:bgPr>
-        <a:solidFill>
-          <a:srgbClr val="2A2A2A"/>
-        </a:solidFill>
-        <a:effectLst/>
-      </p:bgPr>
-    </p:bg>
-    <p:spTree>
-      <p:nvGrpSpPr>
-        <p:cNvPr id="1" name=""/>
-        <p:cNvGrpSpPr/>
-        <p:nvPr/>
-      </p:nvGrpSpPr>
-      <p:grpSpPr>
-        <a:xfrm>
-          <a:off x="0" y="0"/>
-          <a:ext cx="0" cy="0"/>
-          <a:chOff x="0" y="0"/>
-          <a:chExt cx="0" cy="0"/>
-        </a:xfrm>
-      </p:grpSpPr>
-      <p:pic>
-        <p:nvPicPr>
-          <p:cNvPr id="3" name="Picture 2"/>
-          <p:cNvPicPr>
-            <a:picLocks noChangeAspect="1"/>
-          </p:cNvPicPr>
-          <p:nvPr/>
-        </p:nvPicPr>
-        <p:blipFill>
-          <a:blip r:embed="rId3"/>
-          <a:stretch>
-            <a:fillRect/>
-          </a:stretch>
-        </p:blipFill>
-        <p:spPr>
-          <a:xfrm>
-            <a:off x="1146882" y="1"/>
-            <a:ext cx="6858000" cy="6858000"/>
-          </a:xfrm>
-          <a:prstGeom prst="rect">
-            <a:avLst/>
-          </a:prstGeom>
-        </p:spPr>
-      </p:pic>
-    </p:spTree>
-  </p:cSld>
-  <p:clrMapOvr>
-    <a:masterClrMapping/>
-  </p:clrMapOvr>
-  <p:timing>
-    <p:tnLst>
-      <p:par>
-        <p:cTn id="1" dur="indefinite" restart="never" nodeType="tmRoot"/>
-      </p:par>
-    </p:tnLst>
-  </p:timing>
-</p:sld>
-</file>
-
-<file path=ppt/slides/slide2.xml><?xml version="1.0" encoding="utf-8"?>
-<p:sld xmlns:a="http://schemas.openxmlformats.org/drawingml/2006/main" xmlns:r="http://schemas.openxmlformats.org/officeDocument/2006/relationships" xmlns:mc="http://schemas.openxmlformats.org/markup-compatibility/2006" xmlns:mv="urn:schemas-microsoft-com:mac:vml" xmlns:p="http://schemas.openxmlformats.org/presentationml/2006/main" mc:Ignorable="mv" mc:PreserveAttributes="mv:*">
-  <p:cSld>
     <p:spTree>
       <p:nvGrpSpPr>
         <p:cNvPr id="1" name=""/>
@@ -4239,7 +4171,7 @@
           <a:blip r:embed="rId4" cstate="email">
             <a:extLst>
               <a:ext uri="{28A0092B-C50C-407E-A947-70E740481C1C}">
-                <a14:useLocalDpi xmlns:mc="http://schemas.openxmlformats.org/markup-compatibility/2006" xmlns:mv="urn:schemas-microsoft-com:mac:vml" xmlns:a14="http://schemas.microsoft.com/office/drawing/2010/main" xmlns:p="http://schemas.openxmlformats.org/presentationml/2006/main" xmlns:r="http://schemas.openxmlformats.org/officeDocument/2006/relationships" xmlns:a="http://schemas.openxmlformats.org/drawingml/2006/main" xmlns="" val="0"/>
+                <a14:useLocalDpi xmlns="" xmlns:a="http://schemas.openxmlformats.org/drawingml/2006/main" xmlns:r="http://schemas.openxmlformats.org/officeDocument/2006/relationships" xmlns:p="http://schemas.openxmlformats.org/presentationml/2006/main" xmlns:a14="http://schemas.microsoft.com/office/drawing/2010/main" xmlns:mv="urn:schemas-microsoft-com:mac:vml" xmlns:mc="http://schemas.openxmlformats.org/markup-compatibility/2006" val="0"/>
               </a:ext>
             </a:extLst>
           </a:blip>
@@ -4259,7 +4191,7 @@
           <a:noFill/>
           <a:extLst>
             <a:ext uri="{909E8E84-426E-40DD-AFC4-6F175D3DCCD1}">
-              <a14:hiddenFill xmlns:mc="http://schemas.openxmlformats.org/markup-compatibility/2006" xmlns:mv="urn:schemas-microsoft-com:mac:vml" xmlns:a14="http://schemas.microsoft.com/office/drawing/2010/main" xmlns:p="http://schemas.openxmlformats.org/presentationml/2006/main" xmlns:r="http://schemas.openxmlformats.org/officeDocument/2006/relationships" xmlns:a="http://schemas.openxmlformats.org/drawingml/2006/main" xmlns="">
+              <a14:hiddenFill xmlns="" xmlns:a="http://schemas.openxmlformats.org/drawingml/2006/main" xmlns:r="http://schemas.openxmlformats.org/officeDocument/2006/relationships" xmlns:p="http://schemas.openxmlformats.org/presentationml/2006/main" xmlns:a14="http://schemas.microsoft.com/office/drawing/2010/main" xmlns:mv="urn:schemas-microsoft-com:mac:vml" xmlns:mc="http://schemas.openxmlformats.org/markup-compatibility/2006">
                 <a:solidFill>
                   <a:srgbClr val="FFFFFF"/>
                 </a:solidFill>
@@ -4280,7 +4212,7 @@
           <a:blip r:embed="rId5" cstate="email">
             <a:extLst>
               <a:ext uri="{28A0092B-C50C-407E-A947-70E740481C1C}">
-                <a14:useLocalDpi xmlns:mc="http://schemas.openxmlformats.org/markup-compatibility/2006" xmlns:mv="urn:schemas-microsoft-com:mac:vml" xmlns:a14="http://schemas.microsoft.com/office/drawing/2010/main" xmlns:p="http://schemas.openxmlformats.org/presentationml/2006/main" xmlns:r="http://schemas.openxmlformats.org/officeDocument/2006/relationships" xmlns:a="http://schemas.openxmlformats.org/drawingml/2006/main" xmlns="" val="0"/>
+                <a14:useLocalDpi xmlns="" xmlns:a="http://schemas.openxmlformats.org/drawingml/2006/main" xmlns:r="http://schemas.openxmlformats.org/officeDocument/2006/relationships" xmlns:p="http://schemas.openxmlformats.org/presentationml/2006/main" xmlns:a14="http://schemas.microsoft.com/office/drawing/2010/main" xmlns:mv="urn:schemas-microsoft-com:mac:vml" xmlns:mc="http://schemas.openxmlformats.org/markup-compatibility/2006" val="0"/>
               </a:ext>
             </a:extLst>
           </a:blip>
@@ -4641,7 +4573,209 @@
     </p:spTree>
     <p:extLst>
       <p:ext uri="{BB962C8B-B14F-4D97-AF65-F5344CB8AC3E}">
-        <p14:creationId xmlns:mc="http://schemas.openxmlformats.org/markup-compatibility/2006" xmlns:mv="urn:schemas-microsoft-com:mac:vml" xmlns:p14="http://schemas.microsoft.com/office/powerpoint/2010/main" xmlns:p="http://schemas.openxmlformats.org/presentationml/2006/main" xmlns:r="http://schemas.openxmlformats.org/officeDocument/2006/relationships" xmlns:a="http://schemas.openxmlformats.org/drawingml/2006/main" xmlns="" val="2254038478"/>
+        <p14:creationId xmlns="" xmlns:a="http://schemas.openxmlformats.org/drawingml/2006/main" xmlns:r="http://schemas.openxmlformats.org/officeDocument/2006/relationships" xmlns:p="http://schemas.openxmlformats.org/presentationml/2006/main" xmlns:p14="http://schemas.microsoft.com/office/powerpoint/2010/main" xmlns:mv="urn:schemas-microsoft-com:mac:vml" xmlns:mc="http://schemas.openxmlformats.org/markup-compatibility/2006" val="2254038478"/>
+      </p:ext>
+    </p:extLst>
+  </p:cSld>
+  <p:clrMapOvr>
+    <a:masterClrMapping/>
+  </p:clrMapOvr>
+  <p:timing>
+    <p:tnLst>
+      <p:par>
+        <p:cTn id="1" dur="indefinite" restart="never" nodeType="tmRoot"/>
+      </p:par>
+    </p:tnLst>
+  </p:timing>
+</p:sld>
+</file>
+
+<file path=ppt/slides/slide2.xml><?xml version="1.0" encoding="utf-8"?>
+<p:sld xmlns:a="http://schemas.openxmlformats.org/drawingml/2006/main" xmlns:r="http://schemas.openxmlformats.org/officeDocument/2006/relationships" xmlns:mc="http://schemas.openxmlformats.org/markup-compatibility/2006" xmlns:mv="urn:schemas-microsoft-com:mac:vml" xmlns:p="http://schemas.openxmlformats.org/presentationml/2006/main" mc:Ignorable="mv" mc:PreserveAttributes="mv:*">
+  <p:cSld>
+    <p:spTree>
+      <p:nvGrpSpPr>
+        <p:cNvPr id="1" name=""/>
+        <p:cNvGrpSpPr/>
+        <p:nvPr/>
+      </p:nvGrpSpPr>
+      <p:grpSpPr>
+        <a:xfrm>
+          <a:off x="0" y="0"/>
+          <a:ext cx="0" cy="0"/>
+          <a:chOff x="0" y="0"/>
+          <a:chExt cx="0" cy="0"/>
+        </a:xfrm>
+      </p:grpSpPr>
+      <p:pic>
+        <p:nvPicPr>
+          <p:cNvPr id="2050" name="Picture 2" descr="http://www.iclarified.com/images/news/28607/111946/111946-1280.png"/>
+          <p:cNvPicPr>
+            <a:picLocks noChangeAspect="1" noChangeArrowheads="1"/>
+          </p:cNvPicPr>
+          <p:nvPr/>
+        </p:nvPicPr>
+        <p:blipFill>
+          <a:blip r:embed="rId3" cstate="email">
+            <a:extLst>
+              <a:ext uri="{28A0092B-C50C-407E-A947-70E740481C1C}">
+                <a14:useLocalDpi xmlns="" xmlns:a="http://schemas.openxmlformats.org/drawingml/2006/main" xmlns:r="http://schemas.openxmlformats.org/officeDocument/2006/relationships" xmlns:p="http://schemas.openxmlformats.org/presentationml/2006/main" xmlns:a14="http://schemas.microsoft.com/office/drawing/2010/main" xmlns:mv="urn:schemas-microsoft-com:mac:vml" xmlns:mc="http://schemas.openxmlformats.org/markup-compatibility/2006" val="0"/>
+              </a:ext>
+            </a:extLst>
+          </a:blip>
+          <a:srcRect/>
+          <a:stretch>
+            <a:fillRect/>
+          </a:stretch>
+        </p:blipFill>
+        <p:spPr bwMode="auto">
+          <a:xfrm>
+            <a:off x="1553889" y="109310"/>
+            <a:ext cx="5804088" cy="5804088"/>
+          </a:xfrm>
+          <a:prstGeom prst="rect">
+            <a:avLst/>
+          </a:prstGeom>
+          <a:noFill/>
+          <a:extLst>
+            <a:ext uri="{909E8E84-426E-40DD-AFC4-6F175D3DCCD1}">
+              <a14:hiddenFill xmlns="" xmlns:a="http://schemas.openxmlformats.org/drawingml/2006/main" xmlns:r="http://schemas.openxmlformats.org/officeDocument/2006/relationships" xmlns:p="http://schemas.openxmlformats.org/presentationml/2006/main" xmlns:a14="http://schemas.microsoft.com/office/drawing/2010/main" xmlns:mv="urn:schemas-microsoft-com:mac:vml" xmlns:mc="http://schemas.openxmlformats.org/markup-compatibility/2006">
+                <a:solidFill>
+                  <a:srgbClr val="FFFFFF"/>
+                </a:solidFill>
+              </a14:hiddenFill>
+            </a:ext>
+          </a:extLst>
+        </p:spPr>
+      </p:pic>
+      <p:pic>
+        <p:nvPicPr>
+          <p:cNvPr id="4" name="Picture 3"/>
+          <p:cNvPicPr>
+            <a:picLocks noChangeAspect="1"/>
+          </p:cNvPicPr>
+          <p:nvPr/>
+        </p:nvPicPr>
+        <p:blipFill>
+          <a:blip r:embed="rId4" cstate="email">
+            <a:extLst>
+              <a:ext uri="{28A0092B-C50C-407E-A947-70E740481C1C}">
+                <a14:useLocalDpi xmlns="" xmlns:a="http://schemas.openxmlformats.org/drawingml/2006/main" xmlns:r="http://schemas.openxmlformats.org/officeDocument/2006/relationships" xmlns:p="http://schemas.openxmlformats.org/presentationml/2006/main" xmlns:a14="http://schemas.microsoft.com/office/drawing/2010/main" xmlns:mv="urn:schemas-microsoft-com:mac:vml" xmlns:mc="http://schemas.openxmlformats.org/markup-compatibility/2006" val="0"/>
+              </a:ext>
+            </a:extLst>
+          </a:blip>
+          <a:stretch>
+            <a:fillRect/>
+          </a:stretch>
+        </p:blipFill>
+        <p:spPr>
+          <a:xfrm>
+            <a:off x="3321385" y="1001988"/>
+            <a:ext cx="2260073" cy="4011630"/>
+          </a:xfrm>
+          <a:prstGeom prst="rect">
+            <a:avLst/>
+          </a:prstGeom>
+        </p:spPr>
+      </p:pic>
+      <p:sp>
+        <p:nvSpPr>
+          <p:cNvPr id="5" name="Slide Number Placeholder 5"/>
+          <p:cNvSpPr>
+            <a:spLocks noGrp="1"/>
+          </p:cNvSpPr>
+          <p:nvPr>
+            <p:ph type="sldNum" sz="quarter" idx="12"/>
+          </p:nvPr>
+        </p:nvSpPr>
+        <p:spPr>
+          <a:xfrm>
+            <a:off x="6457950" y="6356351"/>
+            <a:ext cx="2057400" cy="365125"/>
+          </a:xfrm>
+        </p:spPr>
+        <p:txBody>
+          <a:bodyPr/>
+          <a:lstStyle>
+            <a:lvl1pPr marL="0" marR="0" indent="0" algn="r" defTabSz="914400" rtl="0" eaLnBrk="1" fontAlgn="auto" latinLnBrk="0" hangingPunct="1">
+              <a:lnSpc>
+                <a:spcPct val="100000"/>
+              </a:lnSpc>
+              <a:spcBef>
+                <a:spcPts val="0"/>
+              </a:spcBef>
+              <a:spcAft>
+                <a:spcPts val="0"/>
+              </a:spcAft>
+              <a:buClrTx/>
+              <a:buSzTx/>
+              <a:buFontTx/>
+              <a:buNone/>
+              <a:tabLst/>
+              <a:defRPr/>
+            </a:lvl1pPr>
+          </a:lstStyle>
+          <a:p>
+            <a:r>
+              <a:rPr lang="en-US" dirty="0" smtClean="0"/>
+              <a:t>Confidential</a:t>
+            </a:r>
+          </a:p>
+          <a:p>
+            <a:r>
+              <a:rPr lang="en-US" dirty="0" err="1" smtClean="0"/>
+              <a:t>Silith.IO</a:t>
+            </a:r>
+            <a:r>
+              <a:rPr lang="en-US" dirty="0" smtClean="0"/>
+              <a:t> – North American </a:t>
+            </a:r>
+            <a:r>
+              <a:rPr lang="en-US" dirty="0" err="1" smtClean="0"/>
+              <a:t>BanCard</a:t>
+            </a:r>
+            <a:endParaRPr lang="en-US" dirty="0" smtClean="0"/>
+          </a:p>
+          <a:p>
+            <a:endParaRPr lang="en-US" dirty="0"/>
+          </a:p>
+        </p:txBody>
+      </p:sp>
+      <p:sp>
+        <p:nvSpPr>
+          <p:cNvPr id="6" name="TextBox 5"/>
+          <p:cNvSpPr txBox="1"/>
+          <p:nvPr/>
+        </p:nvSpPr>
+        <p:spPr>
+          <a:xfrm>
+            <a:off x="2845594" y="6021294"/>
+            <a:ext cx="3757046" cy="369332"/>
+          </a:xfrm>
+          <a:prstGeom prst="rect">
+            <a:avLst/>
+          </a:prstGeom>
+          <a:noFill/>
+        </p:spPr>
+        <p:txBody>
+          <a:bodyPr wrap="none" rtlCol="0">
+            <a:spAutoFit/>
+          </a:bodyPr>
+          <a:lstStyle/>
+          <a:p>
+            <a:pPr algn="ctr"/>
+            <a:r>
+              <a:rPr lang="en-US" dirty="0" smtClean="0"/>
+              <a:t>Install the AnnoTree SDK with one line</a:t>
+            </a:r>
+            <a:endParaRPr lang="en-US" dirty="0"/>
+          </a:p>
+        </p:txBody>
+      </p:sp>
+    </p:spTree>
+    <p:extLst>
+      <p:ext uri="{BB962C8B-B14F-4D97-AF65-F5344CB8AC3E}">
+        <p14:creationId xmlns="" xmlns:a="http://schemas.openxmlformats.org/drawingml/2006/main" xmlns:r="http://schemas.openxmlformats.org/officeDocument/2006/relationships" xmlns:p="http://schemas.openxmlformats.org/presentationml/2006/main" xmlns:p14="http://schemas.microsoft.com/office/powerpoint/2010/main" xmlns:mv="urn:schemas-microsoft-com:mac:vml" xmlns:mc="http://schemas.openxmlformats.org/markup-compatibility/2006" val="3772938651"/>
       </p:ext>
     </p:extLst>
   </p:cSld>
@@ -4687,7 +4821,7 @@
           <a:blip r:embed="rId3" cstate="email">
             <a:extLst>
               <a:ext uri="{28A0092B-C50C-407E-A947-70E740481C1C}">
-                <a14:useLocalDpi xmlns:mc="http://schemas.openxmlformats.org/markup-compatibility/2006" xmlns:mv="urn:schemas-microsoft-com:mac:vml" xmlns:a14="http://schemas.microsoft.com/office/drawing/2010/main" xmlns:p="http://schemas.openxmlformats.org/presentationml/2006/main" xmlns:r="http://schemas.openxmlformats.org/officeDocument/2006/relationships" xmlns:a="http://schemas.openxmlformats.org/drawingml/2006/main" xmlns="" val="0"/>
+                <a14:useLocalDpi xmlns="" xmlns:a="http://schemas.openxmlformats.org/drawingml/2006/main" xmlns:r="http://schemas.openxmlformats.org/officeDocument/2006/relationships" xmlns:p="http://schemas.openxmlformats.org/presentationml/2006/main" xmlns:a14="http://schemas.microsoft.com/office/drawing/2010/main" xmlns:mv="urn:schemas-microsoft-com:mac:vml" xmlns:mc="http://schemas.openxmlformats.org/markup-compatibility/2006" val="0"/>
               </a:ext>
             </a:extLst>
           </a:blip>
@@ -4698,8 +4832,8 @@
         </p:blipFill>
         <p:spPr bwMode="auto">
           <a:xfrm>
-            <a:off x="1191986" y="109310"/>
-            <a:ext cx="6748690" cy="6748690"/>
+            <a:off x="1553889" y="109310"/>
+            <a:ext cx="5804088" cy="5804088"/>
           </a:xfrm>
           <a:prstGeom prst="rect">
             <a:avLst/>
@@ -4707,7 +4841,7 @@
           <a:noFill/>
           <a:extLst>
             <a:ext uri="{909E8E84-426E-40DD-AFC4-6F175D3DCCD1}">
-              <a14:hiddenFill xmlns:mc="http://schemas.openxmlformats.org/markup-compatibility/2006" xmlns:mv="urn:schemas-microsoft-com:mac:vml" xmlns:a14="http://schemas.microsoft.com/office/drawing/2010/main" xmlns:p="http://schemas.openxmlformats.org/presentationml/2006/main" xmlns:r="http://schemas.openxmlformats.org/officeDocument/2006/relationships" xmlns:a="http://schemas.openxmlformats.org/drawingml/2006/main" xmlns="">
+              <a14:hiddenFill xmlns="" xmlns:a="http://schemas.openxmlformats.org/drawingml/2006/main" xmlns:r="http://schemas.openxmlformats.org/officeDocument/2006/relationships" xmlns:p="http://schemas.openxmlformats.org/presentationml/2006/main" xmlns:a14="http://schemas.microsoft.com/office/drawing/2010/main" xmlns:mv="urn:schemas-microsoft-com:mac:vml" xmlns:mc="http://schemas.openxmlformats.org/markup-compatibility/2006">
                 <a:solidFill>
                   <a:srgbClr val="FFFFFF"/>
                 </a:solidFill>
@@ -4728,7 +4862,7 @@
           <a:blip r:embed="rId4" cstate="email">
             <a:extLst>
               <a:ext uri="{28A0092B-C50C-407E-A947-70E740481C1C}">
-                <a14:useLocalDpi xmlns:mc="http://schemas.openxmlformats.org/markup-compatibility/2006" xmlns:mv="urn:schemas-microsoft-com:mac:vml" xmlns:a14="http://schemas.microsoft.com/office/drawing/2010/main" xmlns:p="http://schemas.openxmlformats.org/presentationml/2006/main" xmlns:r="http://schemas.openxmlformats.org/officeDocument/2006/relationships" xmlns:a="http://schemas.openxmlformats.org/drawingml/2006/main" xmlns="" val="0"/>
+                <a14:useLocalDpi xmlns="" xmlns:a="http://schemas.openxmlformats.org/drawingml/2006/main" xmlns:r="http://schemas.openxmlformats.org/officeDocument/2006/relationships" xmlns:p="http://schemas.openxmlformats.org/presentationml/2006/main" xmlns:a14="http://schemas.microsoft.com/office/drawing/2010/main" xmlns:mv="urn:schemas-microsoft-com:mac:vml" xmlns:mc="http://schemas.openxmlformats.org/markup-compatibility/2006" val="0"/>
               </a:ext>
             </a:extLst>
           </a:blip>
@@ -4738,8 +4872,8 @@
         </p:blipFill>
         <p:spPr>
           <a:xfrm>
-            <a:off x="3252383" y="1151398"/>
-            <a:ext cx="2627895" cy="4664514"/>
+            <a:off x="3321385" y="1001988"/>
+            <a:ext cx="2260073" cy="4011630"/>
           </a:xfrm>
           <a:prstGeom prst="rect">
             <a:avLst/>
@@ -4809,10 +4943,71 @@
           </a:p>
         </p:txBody>
       </p:sp>
+      <p:sp>
+        <p:nvSpPr>
+          <p:cNvPr id="6" name="TextBox 5"/>
+          <p:cNvSpPr txBox="1"/>
+          <p:nvPr/>
+        </p:nvSpPr>
+        <p:spPr>
+          <a:xfrm>
+            <a:off x="3280603" y="6021294"/>
+            <a:ext cx="2887028" cy="369332"/>
+          </a:xfrm>
+          <a:prstGeom prst="rect">
+            <a:avLst/>
+          </a:prstGeom>
+          <a:noFill/>
+        </p:spPr>
+        <p:txBody>
+          <a:bodyPr wrap="none" rtlCol="0">
+            <a:spAutoFit/>
+          </a:bodyPr>
+          <a:lstStyle/>
+          <a:p>
+            <a:pPr algn="ctr"/>
+            <a:r>
+              <a:rPr lang="en-US" dirty="0" smtClean="0"/>
+              <a:t>Tap it to open up the Toolbar</a:t>
+            </a:r>
+            <a:endParaRPr lang="en-US" dirty="0"/>
+          </a:p>
+        </p:txBody>
+      </p:sp>
+      <p:pic>
+        <p:nvPicPr>
+          <p:cNvPr id="7" name="Picture 6"/>
+          <p:cNvPicPr>
+            <a:picLocks noChangeAspect="1"/>
+          </p:cNvPicPr>
+          <p:nvPr/>
+        </p:nvPicPr>
+        <p:blipFill>
+          <a:blip r:embed="rId5" cstate="email">
+            <a:extLst>
+              <a:ext uri="{28A0092B-C50C-407E-A947-70E740481C1C}">
+                <a14:useLocalDpi xmlns="" xmlns:a="http://schemas.openxmlformats.org/drawingml/2006/main" xmlns:r="http://schemas.openxmlformats.org/officeDocument/2006/relationships" xmlns:p="http://schemas.openxmlformats.org/presentationml/2006/main" xmlns:a14="http://schemas.microsoft.com/office/drawing/2010/main" xmlns:mv="urn:schemas-microsoft-com:mac:vml" xmlns:mc="http://schemas.openxmlformats.org/markup-compatibility/2006" val="0"/>
+              </a:ext>
+            </a:extLst>
+          </a:blip>
+          <a:stretch>
+            <a:fillRect/>
+          </a:stretch>
+        </p:blipFill>
+        <p:spPr>
+          <a:xfrm>
+            <a:off x="3327089" y="1016929"/>
+            <a:ext cx="2251656" cy="3996689"/>
+          </a:xfrm>
+          <a:prstGeom prst="rect">
+            <a:avLst/>
+          </a:prstGeom>
+        </p:spPr>
+      </p:pic>
     </p:spTree>
     <p:extLst>
       <p:ext uri="{BB962C8B-B14F-4D97-AF65-F5344CB8AC3E}">
-        <p14:creationId xmlns:mc="http://schemas.openxmlformats.org/markup-compatibility/2006" xmlns:mv="urn:schemas-microsoft-com:mac:vml" xmlns:p14="http://schemas.microsoft.com/office/powerpoint/2010/main" xmlns:p="http://schemas.openxmlformats.org/presentationml/2006/main" xmlns:r="http://schemas.openxmlformats.org/officeDocument/2006/relationships" xmlns:a="http://schemas.openxmlformats.org/drawingml/2006/main" xmlns="" val="3772938651"/>
+        <p14:creationId xmlns="" xmlns:a="http://schemas.openxmlformats.org/drawingml/2006/main" xmlns:r="http://schemas.openxmlformats.org/officeDocument/2006/relationships" xmlns:p="http://schemas.openxmlformats.org/presentationml/2006/main" xmlns:p14="http://schemas.microsoft.com/office/powerpoint/2010/main" xmlns:mv="urn:schemas-microsoft-com:mac:vml" xmlns:mc="http://schemas.openxmlformats.org/markup-compatibility/2006" val="3772938651"/>
       </p:ext>
     </p:extLst>
   </p:cSld>
@@ -4848,17 +5043,17 @@
       </p:grpSpPr>
       <p:pic>
         <p:nvPicPr>
-          <p:cNvPr id="8" name="Picture 2" descr="http://www.iclarified.com/images/news/28607/111946/111946-1280.png"/>
+          <p:cNvPr id="2050" name="Picture 2" descr="http://www.iclarified.com/images/news/28607/111946/111946-1280.png"/>
           <p:cNvPicPr>
             <a:picLocks noChangeAspect="1" noChangeArrowheads="1"/>
           </p:cNvPicPr>
           <p:nvPr/>
         </p:nvPicPr>
         <p:blipFill>
-          <a:blip r:embed="rId2" cstate="email">
+          <a:blip r:embed="rId3" cstate="email">
             <a:extLst>
               <a:ext uri="{28A0092B-C50C-407E-A947-70E740481C1C}">
-                <a14:useLocalDpi xmlns:mc="http://schemas.openxmlformats.org/markup-compatibility/2006" xmlns:mv="urn:schemas-microsoft-com:mac:vml" xmlns:a14="http://schemas.microsoft.com/office/drawing/2010/main" xmlns:p="http://schemas.openxmlformats.org/presentationml/2006/main" xmlns:r="http://schemas.openxmlformats.org/officeDocument/2006/relationships" xmlns:a="http://schemas.openxmlformats.org/drawingml/2006/main" xmlns="" val="0"/>
+                <a14:useLocalDpi xmlns="" xmlns:a="http://schemas.openxmlformats.org/drawingml/2006/main" xmlns:r="http://schemas.openxmlformats.org/officeDocument/2006/relationships" xmlns:p="http://schemas.openxmlformats.org/presentationml/2006/main" xmlns:a14="http://schemas.microsoft.com/office/drawing/2010/main" xmlns:mv="urn:schemas-microsoft-com:mac:vml" xmlns:mc="http://schemas.openxmlformats.org/markup-compatibility/2006" val="0"/>
               </a:ext>
             </a:extLst>
           </a:blip>
@@ -4869,8 +5064,8 @@
         </p:blipFill>
         <p:spPr bwMode="auto">
           <a:xfrm>
-            <a:off x="1191986" y="109310"/>
-            <a:ext cx="6748690" cy="6748690"/>
+            <a:off x="1553889" y="109310"/>
+            <a:ext cx="5804088" cy="5804088"/>
           </a:xfrm>
           <a:prstGeom prst="rect">
             <a:avLst/>
@@ -4878,7 +5073,7 @@
           <a:noFill/>
           <a:extLst>
             <a:ext uri="{909E8E84-426E-40DD-AFC4-6F175D3DCCD1}">
-              <a14:hiddenFill xmlns:mc="http://schemas.openxmlformats.org/markup-compatibility/2006" xmlns:mv="urn:schemas-microsoft-com:mac:vml" xmlns:a14="http://schemas.microsoft.com/office/drawing/2010/main" xmlns:p="http://schemas.openxmlformats.org/presentationml/2006/main" xmlns:r="http://schemas.openxmlformats.org/officeDocument/2006/relationships" xmlns:a="http://schemas.openxmlformats.org/drawingml/2006/main" xmlns="">
+              <a14:hiddenFill xmlns="" xmlns:a="http://schemas.openxmlformats.org/drawingml/2006/main" xmlns:r="http://schemas.openxmlformats.org/officeDocument/2006/relationships" xmlns:p="http://schemas.openxmlformats.org/presentationml/2006/main" xmlns:a14="http://schemas.microsoft.com/office/drawing/2010/main" xmlns:mv="urn:schemas-microsoft-com:mac:vml" xmlns:mc="http://schemas.openxmlformats.org/markup-compatibility/2006">
                 <a:solidFill>
                   <a:srgbClr val="FFFFFF"/>
                 </a:solidFill>
@@ -4889,17 +5084,17 @@
       </p:pic>
       <p:pic>
         <p:nvPicPr>
-          <p:cNvPr id="9" name="Picture 8"/>
+          <p:cNvPr id="4" name="Picture 3"/>
           <p:cNvPicPr>
             <a:picLocks noChangeAspect="1"/>
           </p:cNvPicPr>
           <p:nvPr/>
         </p:nvPicPr>
         <p:blipFill>
-          <a:blip r:embed="rId3" cstate="email">
+          <a:blip r:embed="rId4" cstate="email">
             <a:extLst>
               <a:ext uri="{28A0092B-C50C-407E-A947-70E740481C1C}">
-                <a14:useLocalDpi xmlns:mc="http://schemas.openxmlformats.org/markup-compatibility/2006" xmlns:mv="urn:schemas-microsoft-com:mac:vml" xmlns:a14="http://schemas.microsoft.com/office/drawing/2010/main" xmlns:p="http://schemas.openxmlformats.org/presentationml/2006/main" xmlns:r="http://schemas.openxmlformats.org/officeDocument/2006/relationships" xmlns:a="http://schemas.openxmlformats.org/drawingml/2006/main" xmlns="" val="0"/>
+                <a14:useLocalDpi xmlns="" xmlns:a="http://schemas.openxmlformats.org/drawingml/2006/main" xmlns:r="http://schemas.openxmlformats.org/officeDocument/2006/relationships" xmlns:p="http://schemas.openxmlformats.org/presentationml/2006/main" xmlns:a14="http://schemas.microsoft.com/office/drawing/2010/main" xmlns:mv="urn:schemas-microsoft-com:mac:vml" xmlns:mc="http://schemas.openxmlformats.org/markup-compatibility/2006" val="0"/>
               </a:ext>
             </a:extLst>
           </a:blip>
@@ -4909,8 +5104,8 @@
         </p:blipFill>
         <p:spPr>
           <a:xfrm>
-            <a:off x="3252383" y="1151398"/>
-            <a:ext cx="2627895" cy="4664514"/>
+            <a:off x="3321385" y="1001988"/>
+            <a:ext cx="2260073" cy="4011630"/>
           </a:xfrm>
           <a:prstGeom prst="rect">
             <a:avLst/>
@@ -4919,7 +5114,7 @@
       </p:pic>
       <p:sp>
         <p:nvSpPr>
-          <p:cNvPr id="4" name="Slide Number Placeholder 5"/>
+          <p:cNvPr id="5" name="Slide Number Placeholder 5"/>
           <p:cNvSpPr>
             <a:spLocks noGrp="1"/>
           </p:cNvSpPr>
@@ -4980,10 +5175,71 @@
           </a:p>
         </p:txBody>
       </p:sp>
+      <p:sp>
+        <p:nvSpPr>
+          <p:cNvPr id="6" name="TextBox 5"/>
+          <p:cNvSpPr txBox="1"/>
+          <p:nvPr/>
+        </p:nvSpPr>
+        <p:spPr>
+          <a:xfrm>
+            <a:off x="1285399" y="6021294"/>
+            <a:ext cx="6877454" cy="369332"/>
+          </a:xfrm>
+          <a:prstGeom prst="rect">
+            <a:avLst/>
+          </a:prstGeom>
+          <a:noFill/>
+        </p:spPr>
+        <p:txBody>
+          <a:bodyPr wrap="none" rtlCol="0">
+            <a:spAutoFit/>
+          </a:bodyPr>
+          <a:lstStyle/>
+          <a:p>
+            <a:pPr algn="ctr"/>
+            <a:r>
+              <a:rPr lang="en-US" dirty="0" smtClean="0"/>
+              <a:t>Can Annotate and send back these “leafs” to our collaboration platform</a:t>
+            </a:r>
+            <a:endParaRPr lang="en-US" dirty="0"/>
+          </a:p>
+        </p:txBody>
+      </p:sp>
+      <p:pic>
+        <p:nvPicPr>
+          <p:cNvPr id="7" name="Picture 6"/>
+          <p:cNvPicPr>
+            <a:picLocks noChangeAspect="1"/>
+          </p:cNvPicPr>
+          <p:nvPr/>
+        </p:nvPicPr>
+        <p:blipFill>
+          <a:blip r:embed="rId5" cstate="email">
+            <a:extLst>
+              <a:ext uri="{28A0092B-C50C-407E-A947-70E740481C1C}">
+                <a14:useLocalDpi xmlns="" xmlns:a="http://schemas.openxmlformats.org/drawingml/2006/main" xmlns:r="http://schemas.openxmlformats.org/officeDocument/2006/relationships" xmlns:p="http://schemas.openxmlformats.org/presentationml/2006/main" xmlns:a14="http://schemas.microsoft.com/office/drawing/2010/main" xmlns:mv="urn:schemas-microsoft-com:mac:vml" xmlns:mc="http://schemas.openxmlformats.org/markup-compatibility/2006" val="0"/>
+              </a:ext>
+            </a:extLst>
+          </a:blip>
+          <a:stretch>
+            <a:fillRect/>
+          </a:stretch>
+        </p:blipFill>
+        <p:spPr>
+          <a:xfrm>
+            <a:off x="3312147" y="1016929"/>
+            <a:ext cx="2269311" cy="4028027"/>
+          </a:xfrm>
+          <a:prstGeom prst="rect">
+            <a:avLst/>
+          </a:prstGeom>
+        </p:spPr>
+      </p:pic>
     </p:spTree>
     <p:extLst>
       <p:ext uri="{BB962C8B-B14F-4D97-AF65-F5344CB8AC3E}">
-        <p14:creationId xmlns:mc="http://schemas.openxmlformats.org/markup-compatibility/2006" xmlns:mv="urn:schemas-microsoft-com:mac:vml" xmlns:p14="http://schemas.microsoft.com/office/powerpoint/2010/main" xmlns:p="http://schemas.openxmlformats.org/presentationml/2006/main" xmlns:r="http://schemas.openxmlformats.org/officeDocument/2006/relationships" xmlns:a="http://schemas.openxmlformats.org/drawingml/2006/main" xmlns="" val="743682954"/>
+        <p14:creationId xmlns="" xmlns:a="http://schemas.openxmlformats.org/drawingml/2006/main" xmlns:r="http://schemas.openxmlformats.org/officeDocument/2006/relationships" xmlns:p="http://schemas.openxmlformats.org/presentationml/2006/main" xmlns:p14="http://schemas.microsoft.com/office/powerpoint/2010/main" xmlns:mv="urn:schemas-microsoft-com:mac:vml" xmlns:mc="http://schemas.openxmlformats.org/markup-compatibility/2006" val="3772938651"/>
       </p:ext>
     </p:extLst>
   </p:cSld>
@@ -5017,90 +5273,19 @@
           <a:chExt cx="0" cy="0"/>
         </a:xfrm>
       </p:grpSpPr>
-      <p:pic>
-        <p:nvPicPr>
-          <p:cNvPr id="3" name="Picture 2" descr="http://www.iclarified.com/images/news/28607/111946/111946-1280.png"/>
-          <p:cNvPicPr>
-            <a:picLocks noChangeAspect="1" noChangeArrowheads="1"/>
-          </p:cNvPicPr>
-          <p:nvPr/>
-        </p:nvPicPr>
-        <p:blipFill>
-          <a:blip r:embed="rId2" cstate="email">
-            <a:extLst>
-              <a:ext uri="{28A0092B-C50C-407E-A947-70E740481C1C}">
-                <a14:useLocalDpi xmlns:mc="http://schemas.openxmlformats.org/markup-compatibility/2006" xmlns:mv="urn:schemas-microsoft-com:mac:vml" xmlns:a14="http://schemas.microsoft.com/office/drawing/2010/main" xmlns:p="http://schemas.openxmlformats.org/presentationml/2006/main" xmlns:r="http://schemas.openxmlformats.org/officeDocument/2006/relationships" xmlns:a="http://schemas.openxmlformats.org/drawingml/2006/main" xmlns="" val="0"/>
-              </a:ext>
-            </a:extLst>
-          </a:blip>
-          <a:srcRect/>
-          <a:stretch>
-            <a:fillRect/>
-          </a:stretch>
-        </p:blipFill>
-        <p:spPr bwMode="auto">
-          <a:xfrm>
-            <a:off x="1191986" y="109310"/>
-            <a:ext cx="6748690" cy="6748690"/>
-          </a:xfrm>
-          <a:prstGeom prst="rect">
-            <a:avLst/>
-          </a:prstGeom>
-          <a:noFill/>
-          <a:extLst>
-            <a:ext uri="{909E8E84-426E-40DD-AFC4-6F175D3DCCD1}">
-              <a14:hiddenFill xmlns:mc="http://schemas.openxmlformats.org/markup-compatibility/2006" xmlns:mv="urn:schemas-microsoft-com:mac:vml" xmlns:a14="http://schemas.microsoft.com/office/drawing/2010/main" xmlns:p="http://schemas.openxmlformats.org/presentationml/2006/main" xmlns:r="http://schemas.openxmlformats.org/officeDocument/2006/relationships" xmlns:a="http://schemas.openxmlformats.org/drawingml/2006/main" xmlns="">
-                <a:solidFill>
-                  <a:srgbClr val="FFFFFF"/>
-                </a:solidFill>
-              </a14:hiddenFill>
-            </a:ext>
-          </a:extLst>
-        </p:spPr>
-      </p:pic>
-      <p:pic>
-        <p:nvPicPr>
-          <p:cNvPr id="4" name="Picture 3"/>
-          <p:cNvPicPr>
-            <a:picLocks noChangeAspect="1"/>
-          </p:cNvPicPr>
-          <p:nvPr/>
-        </p:nvPicPr>
-        <p:blipFill>
-          <a:blip r:embed="rId3" cstate="email">
-            <a:extLst>
-              <a:ext uri="{28A0092B-C50C-407E-A947-70E740481C1C}">
-                <a14:useLocalDpi xmlns:mc="http://schemas.openxmlformats.org/markup-compatibility/2006" xmlns:mv="urn:schemas-microsoft-com:mac:vml" xmlns:a14="http://schemas.microsoft.com/office/drawing/2010/main" xmlns:p="http://schemas.openxmlformats.org/presentationml/2006/main" xmlns:r="http://schemas.openxmlformats.org/officeDocument/2006/relationships" xmlns:a="http://schemas.openxmlformats.org/drawingml/2006/main" xmlns="" val="0"/>
-              </a:ext>
-            </a:extLst>
-          </a:blip>
-          <a:stretch>
-            <a:fillRect/>
-          </a:stretch>
-        </p:blipFill>
+      <p:sp>
+        <p:nvSpPr>
+          <p:cNvPr id="4" name="Slide Number Placeholder 5"/>
+          <p:cNvSpPr>
+            <a:spLocks noGrp="1"/>
+          </p:cNvSpPr>
+          <p:nvPr>
+            <p:ph type="sldNum" sz="quarter" idx="12"/>
+          </p:nvPr>
+        </p:nvSpPr>
         <p:spPr>
           <a:xfrm>
-            <a:off x="3252383" y="1151398"/>
-            <a:ext cx="2627895" cy="4664514"/>
-          </a:xfrm>
-          <a:prstGeom prst="rect">
-            <a:avLst/>
-          </a:prstGeom>
-        </p:spPr>
-      </p:pic>
-      <p:sp>
-        <p:nvSpPr>
-          <p:cNvPr id="5" name="Slide Number Placeholder 5"/>
-          <p:cNvSpPr>
-            <a:spLocks noGrp="1"/>
-          </p:cNvSpPr>
-          <p:nvPr>
-            <p:ph type="sldNum" sz="quarter" idx="12"/>
-          </p:nvPr>
-        </p:nvSpPr>
-        <p:spPr>
-          <a:xfrm>
-            <a:off x="6457950" y="6356351"/>
+            <a:off x="6457950" y="6492875"/>
             <a:ext cx="2057400" cy="365125"/>
           </a:xfrm>
         </p:spPr>
@@ -5151,10 +5336,65 @@
           </a:p>
         </p:txBody>
       </p:sp>
+      <p:pic>
+        <p:nvPicPr>
+          <p:cNvPr id="5" name="Picture 4"/>
+          <p:cNvPicPr>
+            <a:picLocks noChangeAspect="1"/>
+          </p:cNvPicPr>
+          <p:nvPr/>
+        </p:nvPicPr>
+        <p:blipFill>
+          <a:blip r:embed="rId3"/>
+          <a:stretch>
+            <a:fillRect/>
+          </a:stretch>
+        </p:blipFill>
+        <p:spPr>
+          <a:xfrm>
+            <a:off x="263182" y="1208403"/>
+            <a:ext cx="8636664" cy="4321916"/>
+          </a:xfrm>
+          <a:prstGeom prst="rect">
+            <a:avLst/>
+          </a:prstGeom>
+        </p:spPr>
+      </p:pic>
+      <p:sp>
+        <p:nvSpPr>
+          <p:cNvPr id="6" name="TextBox 5"/>
+          <p:cNvSpPr txBox="1"/>
+          <p:nvPr/>
+        </p:nvSpPr>
+        <p:spPr>
+          <a:xfrm>
+            <a:off x="1781989" y="6021294"/>
+            <a:ext cx="5884243" cy="369332"/>
+          </a:xfrm>
+          <a:prstGeom prst="rect">
+            <a:avLst/>
+          </a:prstGeom>
+          <a:noFill/>
+        </p:spPr>
+        <p:txBody>
+          <a:bodyPr wrap="none" rtlCol="0">
+            <a:spAutoFit/>
+          </a:bodyPr>
+          <a:lstStyle/>
+          <a:p>
+            <a:pPr algn="ctr"/>
+            <a:r>
+              <a:rPr lang="en-US" dirty="0" smtClean="0"/>
+              <a:t>The forest screen has a collection of your Trees (applications)</a:t>
+            </a:r>
+            <a:endParaRPr lang="en-US" dirty="0"/>
+          </a:p>
+        </p:txBody>
+      </p:sp>
     </p:spTree>
     <p:extLst>
       <p:ext uri="{BB962C8B-B14F-4D97-AF65-F5344CB8AC3E}">
-        <p14:creationId xmlns:mc="http://schemas.openxmlformats.org/markup-compatibility/2006" xmlns:mv="urn:schemas-microsoft-com:mac:vml" xmlns:p14="http://schemas.microsoft.com/office/powerpoint/2010/main" xmlns:p="http://schemas.openxmlformats.org/presentationml/2006/main" xmlns:r="http://schemas.openxmlformats.org/officeDocument/2006/relationships" xmlns:a="http://schemas.openxmlformats.org/drawingml/2006/main" xmlns="" val="1096728072"/>
+        <p14:creationId xmlns="" xmlns:a="http://schemas.openxmlformats.org/drawingml/2006/main" xmlns:r="http://schemas.openxmlformats.org/officeDocument/2006/relationships" xmlns:p="http://schemas.openxmlformats.org/presentationml/2006/main" xmlns:p14="http://schemas.microsoft.com/office/powerpoint/2010/main" xmlns:mv="urn:schemas-microsoft-com:mac:vml" xmlns:mc="http://schemas.openxmlformats.org/markup-compatibility/2006" val="1048794646"/>
       </p:ext>
     </p:extLst>
   </p:cSld>
@@ -5188,54 +5428,6 @@
           <a:chExt cx="0" cy="0"/>
         </a:xfrm>
       </p:grpSpPr>
-      <p:pic>
-        <p:nvPicPr>
-          <p:cNvPr id="2" name="Picture 1"/>
-          <p:cNvPicPr>
-            <a:picLocks noChangeAspect="1"/>
-          </p:cNvPicPr>
-          <p:nvPr/>
-        </p:nvPicPr>
-        <p:blipFill>
-          <a:blip r:embed="rId3"/>
-          <a:stretch>
-            <a:fillRect/>
-          </a:stretch>
-        </p:blipFill>
-        <p:spPr>
-          <a:xfrm>
-            <a:off x="293064" y="706594"/>
-            <a:ext cx="8567059" cy="5354412"/>
-          </a:xfrm>
-          <a:prstGeom prst="rect">
-            <a:avLst/>
-          </a:prstGeom>
-        </p:spPr>
-      </p:pic>
-      <p:pic>
-        <p:nvPicPr>
-          <p:cNvPr id="3" name="Picture 2"/>
-          <p:cNvPicPr>
-            <a:picLocks noChangeAspect="1"/>
-          </p:cNvPicPr>
-          <p:nvPr/>
-        </p:nvPicPr>
-        <p:blipFill>
-          <a:blip r:embed="rId4"/>
-          <a:stretch>
-            <a:fillRect/>
-          </a:stretch>
-        </p:blipFill>
-        <p:spPr>
-          <a:xfrm>
-            <a:off x="293064" y="706595"/>
-            <a:ext cx="8567059" cy="5354412"/>
-          </a:xfrm>
-          <a:prstGeom prst="rect">
-            <a:avLst/>
-          </a:prstGeom>
-        </p:spPr>
-      </p:pic>
       <p:sp>
         <p:nvSpPr>
           <p:cNvPr id="4" name="Slide Number Placeholder 5"/>
@@ -5286,15 +5478,7 @@
             </a:r>
             <a:r>
               <a:rPr lang="en-US" dirty="0" smtClean="0"/>
-              <a:t> </a:t>
-            </a:r>
-            <a:r>
-              <a:rPr lang="en-US" dirty="0" smtClean="0"/>
-              <a:t>–</a:t>
-            </a:r>
-            <a:r>
-              <a:rPr lang="en-US" dirty="0" smtClean="0"/>
-              <a:t> North American </a:t>
+              <a:t> – North American </a:t>
             </a:r>
             <a:r>
               <a:rPr lang="en-US" dirty="0" err="1" smtClean="0"/>
@@ -5303,6 +5487,85 @@
             <a:endParaRPr lang="en-US" dirty="0" smtClean="0"/>
           </a:p>
           <a:p>
+            <a:endParaRPr lang="en-US" dirty="0"/>
+          </a:p>
+        </p:txBody>
+      </p:sp>
+      <p:pic>
+        <p:nvPicPr>
+          <p:cNvPr id="5" name="Picture 4"/>
+          <p:cNvPicPr>
+            <a:picLocks noChangeAspect="1"/>
+          </p:cNvPicPr>
+          <p:nvPr/>
+        </p:nvPicPr>
+        <p:blipFill>
+          <a:blip r:embed="rId3"/>
+          <a:stretch>
+            <a:fillRect/>
+          </a:stretch>
+        </p:blipFill>
+        <p:spPr>
+          <a:xfrm>
+            <a:off x="263182" y="1208403"/>
+            <a:ext cx="8636664" cy="4321916"/>
+          </a:xfrm>
+          <a:prstGeom prst="rect">
+            <a:avLst/>
+          </a:prstGeom>
+        </p:spPr>
+      </p:pic>
+      <p:pic>
+        <p:nvPicPr>
+          <p:cNvPr id="6" name="Picture 5"/>
+          <p:cNvPicPr>
+            <a:picLocks noChangeAspect="1"/>
+          </p:cNvPicPr>
+          <p:nvPr/>
+        </p:nvPicPr>
+        <p:blipFill>
+          <a:blip r:embed="rId4"/>
+          <a:stretch>
+            <a:fillRect/>
+          </a:stretch>
+        </p:blipFill>
+        <p:spPr>
+          <a:xfrm>
+            <a:off x="263182" y="1206014"/>
+            <a:ext cx="8636664" cy="4332678"/>
+          </a:xfrm>
+          <a:prstGeom prst="rect">
+            <a:avLst/>
+          </a:prstGeom>
+        </p:spPr>
+      </p:pic>
+      <p:sp>
+        <p:nvSpPr>
+          <p:cNvPr id="7" name="TextBox 6"/>
+          <p:cNvSpPr txBox="1"/>
+          <p:nvPr/>
+        </p:nvSpPr>
+        <p:spPr>
+          <a:xfrm>
+            <a:off x="2269082" y="6021294"/>
+            <a:ext cx="4910081" cy="369332"/>
+          </a:xfrm>
+          <a:prstGeom prst="rect">
+            <a:avLst/>
+          </a:prstGeom>
+          <a:noFill/>
+        </p:spPr>
+        <p:txBody>
+          <a:bodyPr wrap="none" rtlCol="0">
+            <a:spAutoFit/>
+          </a:bodyPr>
+          <a:lstStyle/>
+          <a:p>
+            <a:pPr algn="ctr"/>
+            <a:r>
+              <a:rPr lang="en-US" dirty="0" smtClean="0"/>
+              <a:t>On the tree screen you can organize all your leafs</a:t>
+            </a:r>
             <a:endParaRPr lang="en-US" dirty="0"/>
           </a:p>
         </p:txBody>
@@ -5310,7 +5573,7 @@
     </p:spTree>
     <p:extLst>
       <p:ext uri="{BB962C8B-B14F-4D97-AF65-F5344CB8AC3E}">
-        <p14:creationId xmlns:mc="http://schemas.openxmlformats.org/markup-compatibility/2006" xmlns:mv="urn:schemas-microsoft-com:mac:vml" xmlns:p14="http://schemas.microsoft.com/office/powerpoint/2010/main" xmlns:p="http://schemas.openxmlformats.org/presentationml/2006/main" xmlns:r="http://schemas.openxmlformats.org/officeDocument/2006/relationships" xmlns:a="http://schemas.openxmlformats.org/drawingml/2006/main" xmlns="" val="1048794646"/>
+        <p14:creationId xmlns="" xmlns:a="http://schemas.openxmlformats.org/drawingml/2006/main" xmlns:r="http://schemas.openxmlformats.org/officeDocument/2006/relationships" xmlns:p="http://schemas.openxmlformats.org/presentationml/2006/main" xmlns:p14="http://schemas.microsoft.com/office/powerpoint/2010/main" xmlns:mv="urn:schemas-microsoft-com:mac:vml" xmlns:mc="http://schemas.openxmlformats.org/markup-compatibility/2006" val="1048794646"/>
       </p:ext>
     </p:extLst>
   </p:cSld>
@@ -5344,43 +5607,19 @@
           <a:chExt cx="0" cy="0"/>
         </a:xfrm>
       </p:grpSpPr>
-      <p:pic>
-        <p:nvPicPr>
-          <p:cNvPr id="2" name="Picture 1"/>
-          <p:cNvPicPr>
-            <a:picLocks noChangeAspect="1"/>
-          </p:cNvPicPr>
-          <p:nvPr/>
-        </p:nvPicPr>
-        <p:blipFill>
-          <a:blip r:embed="rId3"/>
-          <a:stretch>
-            <a:fillRect/>
-          </a:stretch>
-        </p:blipFill>
+      <p:sp>
+        <p:nvSpPr>
+          <p:cNvPr id="4" name="Slide Number Placeholder 5"/>
+          <p:cNvSpPr>
+            <a:spLocks noGrp="1"/>
+          </p:cNvSpPr>
+          <p:nvPr>
+            <p:ph type="sldNum" sz="quarter" idx="12"/>
+          </p:nvPr>
+        </p:nvSpPr>
         <p:spPr>
           <a:xfrm>
-            <a:off x="293063" y="706594"/>
-            <a:ext cx="8567059" cy="5354412"/>
-          </a:xfrm>
-          <a:prstGeom prst="rect">
-            <a:avLst/>
-          </a:prstGeom>
-        </p:spPr>
-      </p:pic>
-      <p:sp>
-        <p:nvSpPr>
-          <p:cNvPr id="3" name="Slide Number Placeholder 5"/>
-          <p:cNvSpPr>
-            <a:spLocks noGrp="1"/>
-          </p:cNvSpPr>
-          <p:nvPr>
-            <p:ph type="sldNum" sz="quarter" idx="12"/>
-          </p:nvPr>
-        </p:nvSpPr>
-        <p:spPr>
-          <a:xfrm>
-            <a:off x="6457950" y="6356351"/>
+            <a:off x="6457950" y="6492875"/>
             <a:ext cx="2057400" cy="365125"/>
           </a:xfrm>
         </p:spPr>
@@ -5431,46 +5670,9 @@
           </a:p>
         </p:txBody>
       </p:sp>
-    </p:spTree>
-    <p:extLst>
-      <p:ext uri="{BB962C8B-B14F-4D97-AF65-F5344CB8AC3E}">
-        <p14:creationId xmlns:mc="http://schemas.openxmlformats.org/markup-compatibility/2006" xmlns:mv="urn:schemas-microsoft-com:mac:vml" xmlns:p14="http://schemas.microsoft.com/office/powerpoint/2010/main" xmlns:p="http://schemas.openxmlformats.org/presentationml/2006/main" xmlns:r="http://schemas.openxmlformats.org/officeDocument/2006/relationships" xmlns:a="http://schemas.openxmlformats.org/drawingml/2006/main" xmlns="" val="245123816"/>
-      </p:ext>
-    </p:extLst>
-  </p:cSld>
-  <p:clrMapOvr>
-    <a:masterClrMapping/>
-  </p:clrMapOvr>
-  <p:timing>
-    <p:tnLst>
-      <p:par>
-        <p:cTn id="1" dur="indefinite" restart="never" nodeType="tmRoot"/>
-      </p:par>
-    </p:tnLst>
-  </p:timing>
-</p:sld>
-</file>
-
-<file path=ppt/slides/slide8.xml><?xml version="1.0" encoding="utf-8"?>
-<p:sld xmlns:a="http://schemas.openxmlformats.org/drawingml/2006/main" xmlns:r="http://schemas.openxmlformats.org/officeDocument/2006/relationships" xmlns:mc="http://schemas.openxmlformats.org/markup-compatibility/2006" xmlns:mv="urn:schemas-microsoft-com:mac:vml" xmlns:p="http://schemas.openxmlformats.org/presentationml/2006/main" mc:Ignorable="mv" mc:PreserveAttributes="mv:*">
-  <p:cSld>
-    <p:spTree>
-      <p:nvGrpSpPr>
-        <p:cNvPr id="1" name=""/>
-        <p:cNvGrpSpPr/>
-        <p:nvPr/>
-      </p:nvGrpSpPr>
-      <p:grpSpPr>
-        <a:xfrm>
-          <a:off x="0" y="0"/>
-          <a:ext cx="0" cy="0"/>
-          <a:chOff x="0" y="0"/>
-          <a:chExt cx="0" cy="0"/>
-        </a:xfrm>
-      </p:grpSpPr>
       <p:pic>
         <p:nvPicPr>
-          <p:cNvPr id="2" name="Picture 1"/>
+          <p:cNvPr id="5" name="Picture 4"/>
           <p:cNvPicPr>
             <a:picLocks noChangeAspect="1"/>
           </p:cNvPicPr>
@@ -5484,8 +5686,8 @@
         </p:blipFill>
         <p:spPr>
           <a:xfrm>
-            <a:off x="293063" y="706594"/>
-            <a:ext cx="8567059" cy="5354412"/>
+            <a:off x="263182" y="1208403"/>
+            <a:ext cx="8636664" cy="4321916"/>
           </a:xfrm>
           <a:prstGeom prst="rect">
             <a:avLst/>
@@ -5494,7 +5696,7 @@
       </p:pic>
       <p:pic>
         <p:nvPicPr>
-          <p:cNvPr id="3" name="Picture 2"/>
+          <p:cNvPr id="6" name="Picture 5"/>
           <p:cNvPicPr>
             <a:picLocks noChangeAspect="1"/>
           </p:cNvPicPr>
@@ -5508,8 +5710,8 @@
         </p:blipFill>
         <p:spPr>
           <a:xfrm>
-            <a:off x="293063" y="706594"/>
-            <a:ext cx="8567060" cy="5354412"/>
+            <a:off x="263181" y="1208145"/>
+            <a:ext cx="8630013" cy="4322174"/>
           </a:xfrm>
           <a:prstGeom prst="rect">
             <a:avLst/>
@@ -5518,211 +5720,31 @@
       </p:pic>
       <p:sp>
         <p:nvSpPr>
-          <p:cNvPr id="4" name="Slide Number Placeholder 5"/>
-          <p:cNvSpPr>
-            <a:spLocks noGrp="1"/>
-          </p:cNvSpPr>
-          <p:nvPr>
-            <p:ph type="sldNum" sz="quarter" idx="12"/>
-          </p:nvPr>
+          <p:cNvPr id="7" name="TextBox 6"/>
+          <p:cNvSpPr txBox="1"/>
+          <p:nvPr/>
         </p:nvSpPr>
         <p:spPr>
           <a:xfrm>
-            <a:off x="6457950" y="6356351"/>
-            <a:ext cx="2057400" cy="365125"/>
-          </a:xfrm>
-        </p:spPr>
-        <p:txBody>
-          <a:bodyPr/>
-          <a:lstStyle>
-            <a:lvl1pPr marL="0" marR="0" indent="0" algn="r" defTabSz="914400" rtl="0" eaLnBrk="1" fontAlgn="auto" latinLnBrk="0" hangingPunct="1">
-              <a:lnSpc>
-                <a:spcPct val="100000"/>
-              </a:lnSpc>
-              <a:spcBef>
-                <a:spcPts val="0"/>
-              </a:spcBef>
-              <a:spcAft>
-                <a:spcPts val="0"/>
-              </a:spcAft>
-              <a:buClrTx/>
-              <a:buSzTx/>
-              <a:buFontTx/>
-              <a:buNone/>
-              <a:tabLst/>
-              <a:defRPr/>
-            </a:lvl1pPr>
-          </a:lstStyle>
-          <a:p>
-            <a:r>
-              <a:rPr lang="en-US" dirty="0" smtClean="0"/>
-              <a:t>Confidential</a:t>
-            </a:r>
-          </a:p>
-          <a:p>
-            <a:r>
-              <a:rPr lang="en-US" dirty="0" err="1" smtClean="0"/>
-              <a:t>Silith.IO</a:t>
-            </a:r>
-            <a:r>
-              <a:rPr lang="en-US" dirty="0" smtClean="0"/>
-              <a:t> – North American </a:t>
-            </a:r>
-            <a:r>
-              <a:rPr lang="en-US" dirty="0" err="1" smtClean="0"/>
-              <a:t>BanCard</a:t>
-            </a:r>
-            <a:endParaRPr lang="en-US" dirty="0" smtClean="0"/>
-          </a:p>
-          <a:p>
-            <a:endParaRPr lang="en-US" dirty="0"/>
-          </a:p>
-        </p:txBody>
-      </p:sp>
-    </p:spTree>
-    <p:extLst>
-      <p:ext uri="{BB962C8B-B14F-4D97-AF65-F5344CB8AC3E}">
-        <p14:creationId xmlns:mc="http://schemas.openxmlformats.org/markup-compatibility/2006" xmlns:mv="urn:schemas-microsoft-com:mac:vml" xmlns:p14="http://schemas.microsoft.com/office/powerpoint/2010/main" xmlns:p="http://schemas.openxmlformats.org/presentationml/2006/main" xmlns:r="http://schemas.openxmlformats.org/officeDocument/2006/relationships" xmlns:a="http://schemas.openxmlformats.org/drawingml/2006/main" xmlns="" val="245123816"/>
-      </p:ext>
-    </p:extLst>
-  </p:cSld>
-  <p:clrMapOvr>
-    <a:masterClrMapping/>
-  </p:clrMapOvr>
-  <p:timing>
-    <p:tnLst>
-      <p:par>
-        <p:cTn id="1" dur="indefinite" restart="never" nodeType="tmRoot"/>
-      </p:par>
-    </p:tnLst>
-  </p:timing>
-</p:sld>
-</file>
-
-<file path=ppt/slides/slide9.xml><?xml version="1.0" encoding="utf-8"?>
-<p:sld xmlns:a="http://schemas.openxmlformats.org/drawingml/2006/main" xmlns:r="http://schemas.openxmlformats.org/officeDocument/2006/relationships" xmlns:mc="http://schemas.openxmlformats.org/markup-compatibility/2006" xmlns:mv="urn:schemas-microsoft-com:mac:vml" xmlns:p="http://schemas.openxmlformats.org/presentationml/2006/main" mc:Ignorable="mv" mc:PreserveAttributes="mv:*">
-  <p:cSld>
-    <p:spTree>
-      <p:nvGrpSpPr>
-        <p:cNvPr id="1" name=""/>
-        <p:cNvGrpSpPr/>
-        <p:nvPr/>
-      </p:nvGrpSpPr>
-      <p:grpSpPr>
-        <a:xfrm>
-          <a:off x="0" y="0"/>
-          <a:ext cx="0" cy="0"/>
-          <a:chOff x="0" y="0"/>
-          <a:chExt cx="0" cy="0"/>
-        </a:xfrm>
-      </p:grpSpPr>
-      <p:pic>
-        <p:nvPicPr>
-          <p:cNvPr id="2" name="Picture 1"/>
-          <p:cNvPicPr>
-            <a:picLocks noChangeAspect="1"/>
-          </p:cNvPicPr>
-          <p:nvPr/>
-        </p:nvPicPr>
-        <p:blipFill>
-          <a:blip r:embed="rId3"/>
-          <a:stretch>
-            <a:fillRect/>
-          </a:stretch>
-        </p:blipFill>
-        <p:spPr>
-          <a:xfrm>
-            <a:off x="293063" y="706594"/>
-            <a:ext cx="8567059" cy="5354412"/>
+            <a:off x="2423496" y="6021294"/>
+            <a:ext cx="4601252" cy="369332"/>
           </a:xfrm>
           <a:prstGeom prst="rect">
             <a:avLst/>
           </a:prstGeom>
+          <a:noFill/>
         </p:spPr>
-      </p:pic>
-      <p:pic>
-        <p:nvPicPr>
-          <p:cNvPr id="3" name="Picture 2"/>
-          <p:cNvPicPr>
-            <a:picLocks noChangeAspect="1"/>
-          </p:cNvPicPr>
-          <p:nvPr/>
-        </p:nvPicPr>
-        <p:blipFill>
-          <a:blip r:embed="rId4"/>
-          <a:stretch>
-            <a:fillRect/>
-          </a:stretch>
-        </p:blipFill>
-        <p:spPr>
-          <a:xfrm>
-            <a:off x="293063" y="706595"/>
-            <a:ext cx="8567059" cy="5354412"/>
-          </a:xfrm>
-          <a:prstGeom prst="rect">
-            <a:avLst/>
-          </a:prstGeom>
-        </p:spPr>
-      </p:pic>
-      <p:sp>
-        <p:nvSpPr>
-          <p:cNvPr id="4" name="Slide Number Placeholder 5"/>
-          <p:cNvSpPr>
-            <a:spLocks noGrp="1"/>
-          </p:cNvSpPr>
-          <p:nvPr>
-            <p:ph type="sldNum" sz="quarter" idx="12"/>
-          </p:nvPr>
-        </p:nvSpPr>
-        <p:spPr>
-          <a:xfrm>
-            <a:off x="6457950" y="6356351"/>
-            <a:ext cx="2057400" cy="365125"/>
-          </a:xfrm>
-        </p:spPr>
-        <p:txBody>
-          <a:bodyPr/>
-          <a:lstStyle>
-            <a:lvl1pPr marL="0" marR="0" indent="0" algn="r" defTabSz="914400" rtl="0" eaLnBrk="1" fontAlgn="auto" latinLnBrk="0" hangingPunct="1">
-              <a:lnSpc>
-                <a:spcPct val="100000"/>
-              </a:lnSpc>
-              <a:spcBef>
-                <a:spcPts val="0"/>
-              </a:spcBef>
-              <a:spcAft>
-                <a:spcPts val="0"/>
-              </a:spcAft>
-              <a:buClrTx/>
-              <a:buSzTx/>
-              <a:buFontTx/>
-              <a:buNone/>
-              <a:tabLst/>
-              <a:defRPr/>
-            </a:lvl1pPr>
-          </a:lstStyle>
-          <a:p>
+        <p:txBody>
+          <a:bodyPr wrap="none" rtlCol="0">
+            <a:spAutoFit/>
+          </a:bodyPr>
+          <a:lstStyle/>
+          <a:p>
+            <a:pPr algn="ctr"/>
             <a:r>
               <a:rPr lang="en-US" dirty="0" smtClean="0"/>
-              <a:t>Confidential</a:t>
-            </a:r>
-          </a:p>
-          <a:p>
-            <a:r>
-              <a:rPr lang="en-US" dirty="0" err="1" smtClean="0"/>
-              <a:t>Silith.IO</a:t>
-            </a:r>
-            <a:r>
-              <a:rPr lang="en-US" dirty="0" smtClean="0"/>
-              <a:t> – North American </a:t>
-            </a:r>
-            <a:r>
-              <a:rPr lang="en-US" dirty="0" err="1" smtClean="0"/>
-              <a:t>BanCard</a:t>
-            </a:r>
-            <a:endParaRPr lang="en-US" dirty="0" smtClean="0"/>
-          </a:p>
-          <a:p>
+              <a:t>And collaborate on them with your entire team</a:t>
+            </a:r>
             <a:endParaRPr lang="en-US" dirty="0"/>
           </a:p>
         </p:txBody>
@@ -5730,7 +5752,7 @@
     </p:spTree>
     <p:extLst>
       <p:ext uri="{BB962C8B-B14F-4D97-AF65-F5344CB8AC3E}">
-        <p14:creationId xmlns:mc="http://schemas.openxmlformats.org/markup-compatibility/2006" xmlns:mv="urn:schemas-microsoft-com:mac:vml" xmlns:p14="http://schemas.microsoft.com/office/powerpoint/2010/main" xmlns:p="http://schemas.openxmlformats.org/presentationml/2006/main" xmlns:r="http://schemas.openxmlformats.org/officeDocument/2006/relationships" xmlns:a="http://schemas.openxmlformats.org/drawingml/2006/main" xmlns="" val="245123816"/>
+        <p14:creationId xmlns="" xmlns:a="http://schemas.openxmlformats.org/drawingml/2006/main" xmlns:r="http://schemas.openxmlformats.org/officeDocument/2006/relationships" xmlns:p="http://schemas.openxmlformats.org/presentationml/2006/main" xmlns:p14="http://schemas.microsoft.com/office/powerpoint/2010/main" xmlns:mv="urn:schemas-microsoft-com:mac:vml" xmlns:mc="http://schemas.openxmlformats.org/markup-compatibility/2006" val="1048794646"/>
       </p:ext>
     </p:extLst>
   </p:cSld>
@@ -6002,7 +6024,7 @@
   <a:extraClrSchemeLst/>
   <a:extLst>
     <a:ext uri="{05A4C25C-085E-4340-85A3-A5531E510DB2}">
-      <thm15:themeFamily xmlns:thm15="http://schemas.microsoft.com/office/thememl/2012/main" xmlns:a="http://schemas.openxmlformats.org/drawingml/2006/main" xmlns="" name="Office Theme" id="{62F939B6-93AF-4DB8-9C6B-D6C7DFDC589F}" vid="{4A3C46E8-61CC-4603-A589-7422A47A8E4A}"/>
+      <thm15:themeFamily xmlns="" xmlns:a="http://schemas.openxmlformats.org/drawingml/2006/main" xmlns:thm15="http://schemas.microsoft.com/office/thememl/2012/main" name="Office Theme" id="{62F939B6-93AF-4DB8-9C6B-D6C7DFDC589F}" vid="{4A3C46E8-61CC-4603-A589-7422A47A8E4A}"/>
     </a:ext>
   </a:extLst>
 </a:theme>

--- a/Docs/Pitches/AnnoTreePresentation_External.pptx
+++ b/Docs/Pitches/AnnoTreePresentation_External.pptx
@@ -5,7 +5,7 @@
     <p:sldMasterId id="2147483859" r:id="rId1"/>
   </p:sldMasterIdLst>
   <p:notesMasterIdLst>
-    <p:notesMasterId r:id="rId11"/>
+    <p:notesMasterId r:id="rId10"/>
   </p:notesMasterIdLst>
   <p:sldIdLst>
     <p:sldId id="293" r:id="rId2"/>
@@ -14,9 +14,8 @@
     <p:sldId id="297" r:id="rId5"/>
     <p:sldId id="298" r:id="rId6"/>
     <p:sldId id="299" r:id="rId7"/>
-    <p:sldId id="308" r:id="rId8"/>
-    <p:sldId id="309" r:id="rId9"/>
-    <p:sldId id="310" r:id="rId10"/>
+    <p:sldId id="311" r:id="rId8"/>
+    <p:sldId id="312" r:id="rId9"/>
   </p:sldIdLst>
   <p:sldSz cx="9144000" cy="6858000" type="screen4x3"/>
   <p:notesSz cx="6858000" cy="9144000"/>
@@ -117,7 +116,7 @@
   </p:defaultTextStyle>
   <p:extLst>
     <p:ext uri="{EFAFB233-063F-42B5-8137-9DF3F51BA10A}">
-      <p15:sldGuideLst xmlns:mc="http://schemas.openxmlformats.org/markup-compatibility/2006" xmlns:mv="urn:schemas-microsoft-com:mac:vml" xmlns:p15="http://schemas.microsoft.com/office/powerpoint/2012/main" xmlns:p="http://schemas.openxmlformats.org/presentationml/2006/main" xmlns:r="http://schemas.openxmlformats.org/officeDocument/2006/relationships" xmlns:a="http://schemas.openxmlformats.org/drawingml/2006/main" xmlns="">
+      <p15:sldGuideLst xmlns="" xmlns:a="http://schemas.openxmlformats.org/drawingml/2006/main" xmlns:r="http://schemas.openxmlformats.org/officeDocument/2006/relationships" xmlns:p="http://schemas.openxmlformats.org/presentationml/2006/main" xmlns:p15="http://schemas.microsoft.com/office/powerpoint/2012/main" xmlns:mv="urn:schemas-microsoft-com:mac:vml" xmlns:mc="http://schemas.openxmlformats.org/markup-compatibility/2006">
         <p15:guide id="1" orient="horz" pos="2160">
           <p15:clr>
             <a:srgbClr val="A4A3A4"/>
@@ -217,7 +216,7 @@
             <a:fld id="{25DB19C6-2A26-5248-A698-E74C0264CF05}" type="datetimeFigureOut">
               <a:rPr lang="en-US" smtClean="0"/>
               <a:pPr/>
-              <a:t>6/10/13</a:t>
+              <a:t>8/8/13</a:t>
             </a:fld>
             <a:endParaRPr lang="en-US"/>
           </a:p>
@@ -386,7 +385,7 @@
     </p:spTree>
     <p:extLst>
       <p:ext uri="{BB962C8B-B14F-4D97-AF65-F5344CB8AC3E}">
-        <p14:creationId xmlns:mc="http://schemas.openxmlformats.org/markup-compatibility/2006" xmlns:mv="urn:schemas-microsoft-com:mac:vml" xmlns:p14="http://schemas.microsoft.com/office/powerpoint/2010/main" xmlns:p="http://schemas.openxmlformats.org/presentationml/2006/main" xmlns:r="http://schemas.openxmlformats.org/officeDocument/2006/relationships" xmlns:a="http://schemas.openxmlformats.org/drawingml/2006/main" xmlns="" val="383900303"/>
+        <p14:creationId xmlns="" xmlns:a="http://schemas.openxmlformats.org/drawingml/2006/main" xmlns:r="http://schemas.openxmlformats.org/officeDocument/2006/relationships" xmlns:p="http://schemas.openxmlformats.org/presentationml/2006/main" xmlns:p14="http://schemas.microsoft.com/office/powerpoint/2010/main" xmlns:mv="urn:schemas-microsoft-com:mac:vml" xmlns:mc="http://schemas.openxmlformats.org/markup-compatibility/2006" val="383900303"/>
       </p:ext>
     </p:extLst>
   </p:cSld>
@@ -679,7 +678,7 @@
     </p:spTree>
     <p:extLst>
       <p:ext uri="{BB962C8B-B14F-4D97-AF65-F5344CB8AC3E}">
-        <p14:creationId xmlns:mc="http://schemas.openxmlformats.org/markup-compatibility/2006" xmlns:mv="urn:schemas-microsoft-com:mac:vml" xmlns:p14="http://schemas.microsoft.com/office/powerpoint/2010/main" xmlns:p="http://schemas.openxmlformats.org/presentationml/2006/main" xmlns:r="http://schemas.openxmlformats.org/officeDocument/2006/relationships" xmlns:a="http://schemas.openxmlformats.org/drawingml/2006/main" xmlns="" val="2200973422"/>
+        <p14:creationId xmlns="" xmlns:a="http://schemas.openxmlformats.org/drawingml/2006/main" xmlns:r="http://schemas.openxmlformats.org/officeDocument/2006/relationships" xmlns:p="http://schemas.openxmlformats.org/presentationml/2006/main" xmlns:p14="http://schemas.microsoft.com/office/powerpoint/2010/main" xmlns:mv="urn:schemas-microsoft-com:mac:vml" xmlns:mc="http://schemas.openxmlformats.org/markup-compatibility/2006" val="2200973422"/>
       </p:ext>
     </p:extLst>
   </p:cSld>
@@ -873,7 +872,7 @@
     </p:spTree>
     <p:extLst>
       <p:ext uri="{BB962C8B-B14F-4D97-AF65-F5344CB8AC3E}">
-        <p14:creationId xmlns:mc="http://schemas.openxmlformats.org/markup-compatibility/2006" xmlns:mv="urn:schemas-microsoft-com:mac:vml" xmlns:p14="http://schemas.microsoft.com/office/powerpoint/2010/main" xmlns:p="http://schemas.openxmlformats.org/presentationml/2006/main" xmlns:r="http://schemas.openxmlformats.org/officeDocument/2006/relationships" xmlns:a="http://schemas.openxmlformats.org/drawingml/2006/main" xmlns="" val="2913269800"/>
+        <p14:creationId xmlns="" xmlns:a="http://schemas.openxmlformats.org/drawingml/2006/main" xmlns:r="http://schemas.openxmlformats.org/officeDocument/2006/relationships" xmlns:p="http://schemas.openxmlformats.org/presentationml/2006/main" xmlns:p14="http://schemas.microsoft.com/office/powerpoint/2010/main" xmlns:mv="urn:schemas-microsoft-com:mac:vml" xmlns:mc="http://schemas.openxmlformats.org/markup-compatibility/2006" val="2913269800"/>
       </p:ext>
     </p:extLst>
   </p:cSld>
@@ -929,15 +928,7 @@
           <a:p>
             <a:r>
               <a:rPr lang="en-US" dirty="0" smtClean="0"/>
-              <a:t>Tree</a:t>
-            </a:r>
-            <a:r>
-              <a:rPr lang="en-US" baseline="0" dirty="0" smtClean="0"/>
-              <a:t> and Branches </a:t>
-            </a:r>
-            <a:r>
-              <a:rPr lang="en-US" dirty="0" smtClean="0"/>
-              <a:t>CCP with Specific To-Do’s</a:t>
+              <a:t>Forest CCP with Notifications</a:t>
             </a:r>
             <a:endParaRPr lang="en-US" dirty="0"/>
           </a:p>
@@ -970,7 +961,7 @@
     </p:spTree>
     <p:extLst>
       <p:ext uri="{BB962C8B-B14F-4D97-AF65-F5344CB8AC3E}">
-        <p14:creationId xmlns:mc="http://schemas.openxmlformats.org/markup-compatibility/2006" xmlns:mv="urn:schemas-microsoft-com:mac:vml" xmlns:p14="http://schemas.microsoft.com/office/powerpoint/2010/main" xmlns:p="http://schemas.openxmlformats.org/presentationml/2006/main" xmlns:r="http://schemas.openxmlformats.org/officeDocument/2006/relationships" xmlns:a="http://schemas.openxmlformats.org/drawingml/2006/main" xmlns="" val="1540719256"/>
+        <p14:creationId xmlns="" xmlns:a="http://schemas.openxmlformats.org/drawingml/2006/main" xmlns:r="http://schemas.openxmlformats.org/officeDocument/2006/relationships" xmlns:p="http://schemas.openxmlformats.org/presentationml/2006/main" xmlns:p14="http://schemas.microsoft.com/office/powerpoint/2010/main" xmlns:mv="urn:schemas-microsoft-com:mac:vml" xmlns:mc="http://schemas.openxmlformats.org/markup-compatibility/2006" val="2913269800"/>
       </p:ext>
     </p:extLst>
   </p:cSld>
@@ -1026,15 +1017,7 @@
           <a:p>
             <a:r>
               <a:rPr lang="en-US" dirty="0" smtClean="0"/>
-              <a:t>Tree</a:t>
-            </a:r>
-            <a:r>
-              <a:rPr lang="en-US" baseline="0" dirty="0" smtClean="0"/>
-              <a:t> and Branches </a:t>
-            </a:r>
-            <a:r>
-              <a:rPr lang="en-US" dirty="0" smtClean="0"/>
-              <a:t>CCP with Specific To-Do’s</a:t>
+              <a:t>Forest CCP with Notifications</a:t>
             </a:r>
             <a:endParaRPr lang="en-US" dirty="0"/>
           </a:p>
@@ -1067,104 +1050,7 @@
     </p:spTree>
     <p:extLst>
       <p:ext uri="{BB962C8B-B14F-4D97-AF65-F5344CB8AC3E}">
-        <p14:creationId xmlns:mc="http://schemas.openxmlformats.org/markup-compatibility/2006" xmlns:mv="urn:schemas-microsoft-com:mac:vml" xmlns:p14="http://schemas.microsoft.com/office/powerpoint/2010/main" xmlns:p="http://schemas.openxmlformats.org/presentationml/2006/main" xmlns:r="http://schemas.openxmlformats.org/officeDocument/2006/relationships" xmlns:a="http://schemas.openxmlformats.org/drawingml/2006/main" xmlns="" val="1540719256"/>
-      </p:ext>
-    </p:extLst>
-  </p:cSld>
-  <p:clrMapOvr>
-    <a:masterClrMapping/>
-  </p:clrMapOvr>
-</p:notes>
-</file>
-
-<file path=ppt/notesSlides/notesSlide7.xml><?xml version="1.0" encoding="utf-8"?>
-<p:notes xmlns:a="http://schemas.openxmlformats.org/drawingml/2006/main" xmlns:r="http://schemas.openxmlformats.org/officeDocument/2006/relationships" xmlns:mc="http://schemas.openxmlformats.org/markup-compatibility/2006" xmlns:mv="urn:schemas-microsoft-com:mac:vml" xmlns:p="http://schemas.openxmlformats.org/presentationml/2006/main" mc:Ignorable="mv" mc:PreserveAttributes="mv:*">
-  <p:cSld>
-    <p:spTree>
-      <p:nvGrpSpPr>
-        <p:cNvPr id="1" name=""/>
-        <p:cNvGrpSpPr/>
-        <p:nvPr/>
-      </p:nvGrpSpPr>
-      <p:grpSpPr>
-        <a:xfrm>
-          <a:off x="0" y="0"/>
-          <a:ext cx="0" cy="0"/>
-          <a:chOff x="0" y="0"/>
-          <a:chExt cx="0" cy="0"/>
-        </a:xfrm>
-      </p:grpSpPr>
-      <p:sp>
-        <p:nvSpPr>
-          <p:cNvPr id="2" name="Slide Image Placeholder 1"/>
-          <p:cNvSpPr>
-            <a:spLocks noGrp="1" noRot="1" noChangeAspect="1"/>
-          </p:cNvSpPr>
-          <p:nvPr>
-            <p:ph type="sldImg"/>
-          </p:nvPr>
-        </p:nvSpPr>
-        <p:spPr/>
-      </p:sp>
-      <p:sp>
-        <p:nvSpPr>
-          <p:cNvPr id="3" name="Notes Placeholder 2"/>
-          <p:cNvSpPr>
-            <a:spLocks noGrp="1"/>
-          </p:cNvSpPr>
-          <p:nvPr>
-            <p:ph type="body" idx="1"/>
-          </p:nvPr>
-        </p:nvSpPr>
-        <p:spPr/>
-        <p:txBody>
-          <a:bodyPr/>
-          <a:lstStyle/>
-          <a:p>
-            <a:r>
-              <a:rPr lang="en-US" dirty="0" smtClean="0"/>
-              <a:t>Tree</a:t>
-            </a:r>
-            <a:r>
-              <a:rPr lang="en-US" baseline="0" dirty="0" smtClean="0"/>
-              <a:t> and Branches </a:t>
-            </a:r>
-            <a:r>
-              <a:rPr lang="en-US" dirty="0" smtClean="0"/>
-              <a:t>CCP with Specific To-Do’s</a:t>
-            </a:r>
-            <a:endParaRPr lang="en-US" dirty="0"/>
-          </a:p>
-        </p:txBody>
-      </p:sp>
-      <p:sp>
-        <p:nvSpPr>
-          <p:cNvPr id="4" name="Slide Number Placeholder 3"/>
-          <p:cNvSpPr>
-            <a:spLocks noGrp="1"/>
-          </p:cNvSpPr>
-          <p:nvPr>
-            <p:ph type="sldNum" sz="quarter" idx="10"/>
-          </p:nvPr>
-        </p:nvSpPr>
-        <p:spPr/>
-        <p:txBody>
-          <a:bodyPr/>
-          <a:lstStyle/>
-          <a:p>
-            <a:fld id="{F15AB7BE-EFDC-4D45-B3D0-D415B0B38FCC}" type="slidenum">
-              <a:rPr lang="en-US" smtClean="0"/>
-              <a:pPr/>
-              <a:t>9</a:t>
-            </a:fld>
-            <a:endParaRPr lang="en-US"/>
-          </a:p>
-        </p:txBody>
-      </p:sp>
-    </p:spTree>
-    <p:extLst>
-      <p:ext uri="{BB962C8B-B14F-4D97-AF65-F5344CB8AC3E}">
-        <p14:creationId xmlns:mc="http://schemas.openxmlformats.org/markup-compatibility/2006" xmlns:mv="urn:schemas-microsoft-com:mac:vml" xmlns:p14="http://schemas.microsoft.com/office/powerpoint/2010/main" xmlns:p="http://schemas.openxmlformats.org/presentationml/2006/main" xmlns:r="http://schemas.openxmlformats.org/officeDocument/2006/relationships" xmlns:a="http://schemas.openxmlformats.org/drawingml/2006/main" xmlns="" val="1540719256"/>
+        <p14:creationId xmlns="" xmlns:a="http://schemas.openxmlformats.org/drawingml/2006/main" xmlns:r="http://schemas.openxmlformats.org/officeDocument/2006/relationships" xmlns:p="http://schemas.openxmlformats.org/presentationml/2006/main" xmlns:p14="http://schemas.microsoft.com/office/powerpoint/2010/main" xmlns:mv="urn:schemas-microsoft-com:mac:vml" xmlns:mc="http://schemas.openxmlformats.org/markup-compatibility/2006" val="2913269800"/>
       </p:ext>
     </p:extLst>
   </p:cSld>
@@ -1306,7 +1192,7 @@
             <a:fld id="{7D0065BE-0657-4A47-90AD-C21C55E16B19}" type="datetime4">
               <a:rPr lang="en-US" smtClean="0"/>
               <a:pPr/>
-              <a:t>June 10, 2013</a:t>
+              <a:t>August 8, 2013</a:t>
             </a:fld>
             <a:endParaRPr lang="en-US"/>
           </a:p>
@@ -1389,7 +1275,7 @@
     </p:spTree>
     <p:extLst>
       <p:ext uri="{BB962C8B-B14F-4D97-AF65-F5344CB8AC3E}">
-        <p14:creationId xmlns:mc="http://schemas.openxmlformats.org/markup-compatibility/2006" xmlns:mv="urn:schemas-microsoft-com:mac:vml" xmlns:p14="http://schemas.microsoft.com/office/powerpoint/2010/main" xmlns:p="http://schemas.openxmlformats.org/presentationml/2006/main" xmlns:r="http://schemas.openxmlformats.org/officeDocument/2006/relationships" xmlns:a="http://schemas.openxmlformats.org/drawingml/2006/main" xmlns="" val="3136660129"/>
+        <p14:creationId xmlns="" xmlns:a="http://schemas.openxmlformats.org/drawingml/2006/main" xmlns:r="http://schemas.openxmlformats.org/officeDocument/2006/relationships" xmlns:p="http://schemas.openxmlformats.org/presentationml/2006/main" xmlns:p14="http://schemas.microsoft.com/office/powerpoint/2010/main" xmlns:mv="urn:schemas-microsoft-com:mac:vml" xmlns:mc="http://schemas.openxmlformats.org/markup-compatibility/2006" val="3136660129"/>
       </p:ext>
     </p:extLst>
   </p:cSld>
@@ -1509,7 +1395,7 @@
             <a:fld id="{A16C3AA4-67BE-44F7-809A-3582401494AF}" type="datetime4">
               <a:rPr lang="en-US" smtClean="0"/>
               <a:pPr/>
-              <a:t>June 10, 2013</a:t>
+              <a:t>August 8, 2013</a:t>
             </a:fld>
             <a:endParaRPr lang="en-US"/>
           </a:p>
@@ -1561,7 +1447,7 @@
     </p:spTree>
     <p:extLst>
       <p:ext uri="{BB962C8B-B14F-4D97-AF65-F5344CB8AC3E}">
-        <p14:creationId xmlns:mc="http://schemas.openxmlformats.org/markup-compatibility/2006" xmlns:mv="urn:schemas-microsoft-com:mac:vml" xmlns:p14="http://schemas.microsoft.com/office/powerpoint/2010/main" xmlns:p="http://schemas.openxmlformats.org/presentationml/2006/main" xmlns:r="http://schemas.openxmlformats.org/officeDocument/2006/relationships" xmlns:a="http://schemas.openxmlformats.org/drawingml/2006/main" xmlns="" val="1975134607"/>
+        <p14:creationId xmlns="" xmlns:a="http://schemas.openxmlformats.org/drawingml/2006/main" xmlns:r="http://schemas.openxmlformats.org/officeDocument/2006/relationships" xmlns:p="http://schemas.openxmlformats.org/presentationml/2006/main" xmlns:p14="http://schemas.microsoft.com/office/powerpoint/2010/main" xmlns:mv="urn:schemas-microsoft-com:mac:vml" xmlns:mc="http://schemas.openxmlformats.org/markup-compatibility/2006" val="1975134607"/>
       </p:ext>
     </p:extLst>
   </p:cSld>
@@ -1691,7 +1577,7 @@
             <a:fld id="{25172EEB-1769-4776-AD69-E7C1260563EB}" type="datetime4">
               <a:rPr lang="en-US" smtClean="0"/>
               <a:pPr/>
-              <a:t>June 10, 2013</a:t>
+              <a:t>August 8, 2013</a:t>
             </a:fld>
             <a:endParaRPr lang="en-US"/>
           </a:p>
@@ -1743,7 +1629,7 @@
     </p:spTree>
     <p:extLst>
       <p:ext uri="{BB962C8B-B14F-4D97-AF65-F5344CB8AC3E}">
-        <p14:creationId xmlns:mc="http://schemas.openxmlformats.org/markup-compatibility/2006" xmlns:mv="urn:schemas-microsoft-com:mac:vml" xmlns:p14="http://schemas.microsoft.com/office/powerpoint/2010/main" xmlns:p="http://schemas.openxmlformats.org/presentationml/2006/main" xmlns:r="http://schemas.openxmlformats.org/officeDocument/2006/relationships" xmlns:a="http://schemas.openxmlformats.org/drawingml/2006/main" xmlns="" val="470510568"/>
+        <p14:creationId xmlns="" xmlns:a="http://schemas.openxmlformats.org/drawingml/2006/main" xmlns:r="http://schemas.openxmlformats.org/officeDocument/2006/relationships" xmlns:p="http://schemas.openxmlformats.org/presentationml/2006/main" xmlns:p14="http://schemas.microsoft.com/office/powerpoint/2010/main" xmlns:mv="urn:schemas-microsoft-com:mac:vml" xmlns:mc="http://schemas.openxmlformats.org/markup-compatibility/2006" val="470510568"/>
       </p:ext>
     </p:extLst>
   </p:cSld>
@@ -1863,7 +1749,7 @@
             <a:fld id="{D47BB8AF-C16A-4836-A92D-61834B5F0BA5}" type="datetime4">
               <a:rPr lang="en-US" smtClean="0"/>
               <a:pPr/>
-              <a:t>June 10, 2013</a:t>
+              <a:t>August 8, 2013</a:t>
             </a:fld>
             <a:endParaRPr lang="en-US"/>
           </a:p>
@@ -1946,7 +1832,7 @@
     </p:spTree>
     <p:extLst>
       <p:ext uri="{BB962C8B-B14F-4D97-AF65-F5344CB8AC3E}">
-        <p14:creationId xmlns:mc="http://schemas.openxmlformats.org/markup-compatibility/2006" xmlns:mv="urn:schemas-microsoft-com:mac:vml" xmlns:p14="http://schemas.microsoft.com/office/powerpoint/2010/main" xmlns:p="http://schemas.openxmlformats.org/presentationml/2006/main" xmlns:r="http://schemas.openxmlformats.org/officeDocument/2006/relationships" xmlns:a="http://schemas.openxmlformats.org/drawingml/2006/main" xmlns="" val="677914460"/>
+        <p14:creationId xmlns="" xmlns:a="http://schemas.openxmlformats.org/drawingml/2006/main" xmlns:r="http://schemas.openxmlformats.org/officeDocument/2006/relationships" xmlns:p="http://schemas.openxmlformats.org/presentationml/2006/main" xmlns:p14="http://schemas.microsoft.com/office/powerpoint/2010/main" xmlns:mv="urn:schemas-microsoft-com:mac:vml" xmlns:mc="http://schemas.openxmlformats.org/markup-compatibility/2006" val="677914460"/>
       </p:ext>
     </p:extLst>
   </p:cSld>
@@ -2142,7 +2028,7 @@
             <a:fld id="{647D2193-4505-4A75-99BB-880C6989A757}" type="datetime4">
               <a:rPr lang="en-US" smtClean="0"/>
               <a:pPr/>
-              <a:t>June 10, 2013</a:t>
+              <a:t>August 8, 2013</a:t>
             </a:fld>
             <a:endParaRPr lang="en-US"/>
           </a:p>
@@ -2194,7 +2080,7 @@
     </p:spTree>
     <p:extLst>
       <p:ext uri="{BB962C8B-B14F-4D97-AF65-F5344CB8AC3E}">
-        <p14:creationId xmlns:mc="http://schemas.openxmlformats.org/markup-compatibility/2006" xmlns:mv="urn:schemas-microsoft-com:mac:vml" xmlns:p14="http://schemas.microsoft.com/office/powerpoint/2010/main" xmlns:p="http://schemas.openxmlformats.org/presentationml/2006/main" xmlns:r="http://schemas.openxmlformats.org/officeDocument/2006/relationships" xmlns:a="http://schemas.openxmlformats.org/drawingml/2006/main" xmlns="" val="2376682556"/>
+        <p14:creationId xmlns="" xmlns:a="http://schemas.openxmlformats.org/drawingml/2006/main" xmlns:r="http://schemas.openxmlformats.org/officeDocument/2006/relationships" xmlns:p="http://schemas.openxmlformats.org/presentationml/2006/main" xmlns:p14="http://schemas.microsoft.com/office/powerpoint/2010/main" xmlns:mv="urn:schemas-microsoft-com:mac:vml" xmlns:mc="http://schemas.openxmlformats.org/markup-compatibility/2006" val="2376682556"/>
       </p:ext>
     </p:extLst>
   </p:cSld>
@@ -2376,7 +2262,7 @@
             <a:fld id="{113A18F4-33C3-445B-924C-31108C51719C}" type="datetime4">
               <a:rPr lang="en-US" smtClean="0"/>
               <a:pPr/>
-              <a:t>June 10, 2013</a:t>
+              <a:t>August 8, 2013</a:t>
             </a:fld>
             <a:endParaRPr lang="en-US"/>
           </a:p>
@@ -2428,7 +2314,7 @@
     </p:spTree>
     <p:extLst>
       <p:ext uri="{BB962C8B-B14F-4D97-AF65-F5344CB8AC3E}">
-        <p14:creationId xmlns:mc="http://schemas.openxmlformats.org/markup-compatibility/2006" xmlns:mv="urn:schemas-microsoft-com:mac:vml" xmlns:p14="http://schemas.microsoft.com/office/powerpoint/2010/main" xmlns:p="http://schemas.openxmlformats.org/presentationml/2006/main" xmlns:r="http://schemas.openxmlformats.org/officeDocument/2006/relationships" xmlns:a="http://schemas.openxmlformats.org/drawingml/2006/main" xmlns="" val="3920190784"/>
+        <p14:creationId xmlns="" xmlns:a="http://schemas.openxmlformats.org/drawingml/2006/main" xmlns:r="http://schemas.openxmlformats.org/officeDocument/2006/relationships" xmlns:p="http://schemas.openxmlformats.org/presentationml/2006/main" xmlns:p14="http://schemas.microsoft.com/office/powerpoint/2010/main" xmlns:mv="urn:schemas-microsoft-com:mac:vml" xmlns:mc="http://schemas.openxmlformats.org/markup-compatibility/2006" val="3920190784"/>
       </p:ext>
     </p:extLst>
   </p:cSld>
@@ -2745,7 +2631,7 @@
             <a:fld id="{3AF7543A-E259-478F-9E0D-57BA40E442B7}" type="datetime4">
               <a:rPr lang="en-US" smtClean="0"/>
               <a:pPr/>
-              <a:t>June 10, 2013</a:t>
+              <a:t>August 8, 2013</a:t>
             </a:fld>
             <a:endParaRPr lang="en-US"/>
           </a:p>
@@ -2797,7 +2683,7 @@
     </p:spTree>
     <p:extLst>
       <p:ext uri="{BB962C8B-B14F-4D97-AF65-F5344CB8AC3E}">
-        <p14:creationId xmlns:mc="http://schemas.openxmlformats.org/markup-compatibility/2006" xmlns:mv="urn:schemas-microsoft-com:mac:vml" xmlns:p14="http://schemas.microsoft.com/office/powerpoint/2010/main" xmlns:p="http://schemas.openxmlformats.org/presentationml/2006/main" xmlns:r="http://schemas.openxmlformats.org/officeDocument/2006/relationships" xmlns:a="http://schemas.openxmlformats.org/drawingml/2006/main" xmlns="" val="3490790309"/>
+        <p14:creationId xmlns="" xmlns:a="http://schemas.openxmlformats.org/drawingml/2006/main" xmlns:r="http://schemas.openxmlformats.org/officeDocument/2006/relationships" xmlns:p="http://schemas.openxmlformats.org/presentationml/2006/main" xmlns:p14="http://schemas.microsoft.com/office/powerpoint/2010/main" xmlns:mv="urn:schemas-microsoft-com:mac:vml" xmlns:mc="http://schemas.openxmlformats.org/markup-compatibility/2006" val="3490790309"/>
       </p:ext>
     </p:extLst>
   </p:cSld>
@@ -2865,7 +2751,7 @@
             <a:fld id="{1EFB012D-77A1-44B0-BB26-329BA1EE55C9}" type="datetime4">
               <a:rPr lang="en-US" smtClean="0"/>
               <a:pPr/>
-              <a:t>June 10, 2013</a:t>
+              <a:t>August 8, 2013</a:t>
             </a:fld>
             <a:endParaRPr lang="en-US"/>
           </a:p>
@@ -2917,7 +2803,7 @@
     </p:spTree>
     <p:extLst>
       <p:ext uri="{BB962C8B-B14F-4D97-AF65-F5344CB8AC3E}">
-        <p14:creationId xmlns:mc="http://schemas.openxmlformats.org/markup-compatibility/2006" xmlns:mv="urn:schemas-microsoft-com:mac:vml" xmlns:p14="http://schemas.microsoft.com/office/powerpoint/2010/main" xmlns:p="http://schemas.openxmlformats.org/presentationml/2006/main" xmlns:r="http://schemas.openxmlformats.org/officeDocument/2006/relationships" xmlns:a="http://schemas.openxmlformats.org/drawingml/2006/main" xmlns="" val="2166558004"/>
+        <p14:creationId xmlns="" xmlns:a="http://schemas.openxmlformats.org/drawingml/2006/main" xmlns:r="http://schemas.openxmlformats.org/officeDocument/2006/relationships" xmlns:p="http://schemas.openxmlformats.org/presentationml/2006/main" xmlns:p14="http://schemas.microsoft.com/office/powerpoint/2010/main" xmlns:mv="urn:schemas-microsoft-com:mac:vml" xmlns:mc="http://schemas.openxmlformats.org/markup-compatibility/2006" val="2166558004"/>
       </p:ext>
     </p:extLst>
   </p:cSld>
@@ -2962,7 +2848,7 @@
             <a:fld id="{94B7499E-3031-413E-B01E-B94970708CAA}" type="datetime4">
               <a:rPr lang="en-US" smtClean="0"/>
               <a:pPr/>
-              <a:t>June 10, 2013</a:t>
+              <a:t>August 8, 2013</a:t>
             </a:fld>
             <a:endParaRPr lang="en-US"/>
           </a:p>
@@ -3014,7 +2900,7 @@
     </p:spTree>
     <p:extLst>
       <p:ext uri="{BB962C8B-B14F-4D97-AF65-F5344CB8AC3E}">
-        <p14:creationId xmlns:mc="http://schemas.openxmlformats.org/markup-compatibility/2006" xmlns:mv="urn:schemas-microsoft-com:mac:vml" xmlns:p14="http://schemas.microsoft.com/office/powerpoint/2010/main" xmlns:p="http://schemas.openxmlformats.org/presentationml/2006/main" xmlns:r="http://schemas.openxmlformats.org/officeDocument/2006/relationships" xmlns:a="http://schemas.openxmlformats.org/drawingml/2006/main" xmlns="" val="1052036411"/>
+        <p14:creationId xmlns="" xmlns:a="http://schemas.openxmlformats.org/drawingml/2006/main" xmlns:r="http://schemas.openxmlformats.org/officeDocument/2006/relationships" xmlns:p="http://schemas.openxmlformats.org/presentationml/2006/main" xmlns:p14="http://schemas.microsoft.com/office/powerpoint/2010/main" xmlns:mv="urn:schemas-microsoft-com:mac:vml" xmlns:mc="http://schemas.openxmlformats.org/markup-compatibility/2006" val="1052036411"/>
       </p:ext>
     </p:extLst>
   </p:cSld>
@@ -3241,7 +3127,7 @@
             <a:fld id="{DC7EAB0C-2220-4D0E-A0DD-DB7FA0F742F4}" type="datetime4">
               <a:rPr lang="en-US" smtClean="0"/>
               <a:pPr/>
-              <a:t>June 10, 2013</a:t>
+              <a:t>August 8, 2013</a:t>
             </a:fld>
             <a:endParaRPr lang="en-US"/>
           </a:p>
@@ -3293,7 +3179,7 @@
     </p:spTree>
     <p:extLst>
       <p:ext uri="{BB962C8B-B14F-4D97-AF65-F5344CB8AC3E}">
-        <p14:creationId xmlns:mc="http://schemas.openxmlformats.org/markup-compatibility/2006" xmlns:mv="urn:schemas-microsoft-com:mac:vml" xmlns:p14="http://schemas.microsoft.com/office/powerpoint/2010/main" xmlns:p="http://schemas.openxmlformats.org/presentationml/2006/main" xmlns:r="http://schemas.openxmlformats.org/officeDocument/2006/relationships" xmlns:a="http://schemas.openxmlformats.org/drawingml/2006/main" xmlns="" val="2940642911"/>
+        <p14:creationId xmlns="" xmlns:a="http://schemas.openxmlformats.org/drawingml/2006/main" xmlns:r="http://schemas.openxmlformats.org/officeDocument/2006/relationships" xmlns:p="http://schemas.openxmlformats.org/presentationml/2006/main" xmlns:p14="http://schemas.microsoft.com/office/powerpoint/2010/main" xmlns:mv="urn:schemas-microsoft-com:mac:vml" xmlns:mc="http://schemas.openxmlformats.org/markup-compatibility/2006" val="2940642911"/>
       </p:ext>
     </p:extLst>
   </p:cSld>
@@ -3496,7 +3382,7 @@
             <a:fld id="{E3416D63-31BF-4B94-B6C5-E20B2C63F515}" type="datetime4">
               <a:rPr lang="en-US" smtClean="0"/>
               <a:pPr/>
-              <a:t>June 10, 2013</a:t>
+              <a:t>August 8, 2013</a:t>
             </a:fld>
             <a:endParaRPr lang="en-US"/>
           </a:p>
@@ -3548,7 +3434,7 @@
     </p:spTree>
     <p:extLst>
       <p:ext uri="{BB962C8B-B14F-4D97-AF65-F5344CB8AC3E}">
-        <p14:creationId xmlns:mc="http://schemas.openxmlformats.org/markup-compatibility/2006" xmlns:mv="urn:schemas-microsoft-com:mac:vml" xmlns:p14="http://schemas.microsoft.com/office/powerpoint/2010/main" xmlns:p="http://schemas.openxmlformats.org/presentationml/2006/main" xmlns:r="http://schemas.openxmlformats.org/officeDocument/2006/relationships" xmlns:a="http://schemas.openxmlformats.org/drawingml/2006/main" xmlns="" val="3967931586"/>
+        <p14:creationId xmlns="" xmlns:a="http://schemas.openxmlformats.org/drawingml/2006/main" xmlns:r="http://schemas.openxmlformats.org/officeDocument/2006/relationships" xmlns:p="http://schemas.openxmlformats.org/presentationml/2006/main" xmlns:p14="http://schemas.microsoft.com/office/powerpoint/2010/main" xmlns:mv="urn:schemas-microsoft-com:mac:vml" xmlns:mc="http://schemas.openxmlformats.org/markup-compatibility/2006" val="3967931586"/>
       </p:ext>
     </p:extLst>
   </p:cSld>
@@ -3714,7 +3600,7 @@
             <a:fld id="{62B1B13E-D5AF-485E-81A1-82A140076526}" type="datetime4">
               <a:rPr lang="en-US" smtClean="0"/>
               <a:pPr/>
-              <a:t>June 10, 2013</a:t>
+              <a:t>August 8, 2013</a:t>
             </a:fld>
             <a:endParaRPr lang="en-US" dirty="0"/>
           </a:p>
@@ -3813,7 +3699,7 @@
     </p:spTree>
     <p:extLst>
       <p:ext uri="{BB962C8B-B14F-4D97-AF65-F5344CB8AC3E}">
-        <p14:creationId xmlns:mc="http://schemas.openxmlformats.org/markup-compatibility/2006" xmlns:mv="urn:schemas-microsoft-com:mac:vml" xmlns:p14="http://schemas.microsoft.com/office/powerpoint/2010/main" xmlns:p="http://schemas.openxmlformats.org/presentationml/2006/main" xmlns:r="http://schemas.openxmlformats.org/officeDocument/2006/relationships" xmlns:a="http://schemas.openxmlformats.org/drawingml/2006/main" xmlns="" val="286173797"/>
+        <p14:creationId xmlns="" xmlns:a="http://schemas.openxmlformats.org/drawingml/2006/main" xmlns:r="http://schemas.openxmlformats.org/officeDocument/2006/relationships" xmlns:p="http://schemas.openxmlformats.org/presentationml/2006/main" xmlns:p14="http://schemas.microsoft.com/office/powerpoint/2010/main" xmlns:mv="urn:schemas-microsoft-com:mac:vml" xmlns:mc="http://schemas.openxmlformats.org/markup-compatibility/2006" val="286173797"/>
       </p:ext>
     </p:extLst>
   </p:cSld>
@@ -4239,7 +4125,7 @@
           <a:blip r:embed="rId4" cstate="email">
             <a:extLst>
               <a:ext uri="{28A0092B-C50C-407E-A947-70E740481C1C}">
-                <a14:useLocalDpi xmlns:mc="http://schemas.openxmlformats.org/markup-compatibility/2006" xmlns:mv="urn:schemas-microsoft-com:mac:vml" xmlns:a14="http://schemas.microsoft.com/office/drawing/2010/main" xmlns:p="http://schemas.openxmlformats.org/presentationml/2006/main" xmlns:r="http://schemas.openxmlformats.org/officeDocument/2006/relationships" xmlns:a="http://schemas.openxmlformats.org/drawingml/2006/main" xmlns="" val="0"/>
+                <a14:useLocalDpi xmlns="" xmlns:a="http://schemas.openxmlformats.org/drawingml/2006/main" xmlns:r="http://schemas.openxmlformats.org/officeDocument/2006/relationships" xmlns:p="http://schemas.openxmlformats.org/presentationml/2006/main" xmlns:a14="http://schemas.microsoft.com/office/drawing/2010/main" xmlns:mv="urn:schemas-microsoft-com:mac:vml" xmlns:mc="http://schemas.openxmlformats.org/markup-compatibility/2006" val="0"/>
               </a:ext>
             </a:extLst>
           </a:blip>
@@ -4259,7 +4145,7 @@
           <a:noFill/>
           <a:extLst>
             <a:ext uri="{909E8E84-426E-40DD-AFC4-6F175D3DCCD1}">
-              <a14:hiddenFill xmlns:mc="http://schemas.openxmlformats.org/markup-compatibility/2006" xmlns:mv="urn:schemas-microsoft-com:mac:vml" xmlns:a14="http://schemas.microsoft.com/office/drawing/2010/main" xmlns:p="http://schemas.openxmlformats.org/presentationml/2006/main" xmlns:r="http://schemas.openxmlformats.org/officeDocument/2006/relationships" xmlns:a="http://schemas.openxmlformats.org/drawingml/2006/main" xmlns="">
+              <a14:hiddenFill xmlns="" xmlns:a="http://schemas.openxmlformats.org/drawingml/2006/main" xmlns:r="http://schemas.openxmlformats.org/officeDocument/2006/relationships" xmlns:p="http://schemas.openxmlformats.org/presentationml/2006/main" xmlns:a14="http://schemas.microsoft.com/office/drawing/2010/main" xmlns:mv="urn:schemas-microsoft-com:mac:vml" xmlns:mc="http://schemas.openxmlformats.org/markup-compatibility/2006">
                 <a:solidFill>
                   <a:srgbClr val="FFFFFF"/>
                 </a:solidFill>
@@ -4280,7 +4166,7 @@
           <a:blip r:embed="rId5" cstate="email">
             <a:extLst>
               <a:ext uri="{28A0092B-C50C-407E-A947-70E740481C1C}">
-                <a14:useLocalDpi xmlns:mc="http://schemas.openxmlformats.org/markup-compatibility/2006" xmlns:mv="urn:schemas-microsoft-com:mac:vml" xmlns:a14="http://schemas.microsoft.com/office/drawing/2010/main" xmlns:p="http://schemas.openxmlformats.org/presentationml/2006/main" xmlns:r="http://schemas.openxmlformats.org/officeDocument/2006/relationships" xmlns:a="http://schemas.openxmlformats.org/drawingml/2006/main" xmlns="" val="0"/>
+                <a14:useLocalDpi xmlns="" xmlns:a="http://schemas.openxmlformats.org/drawingml/2006/main" xmlns:r="http://schemas.openxmlformats.org/officeDocument/2006/relationships" xmlns:p="http://schemas.openxmlformats.org/presentationml/2006/main" xmlns:a14="http://schemas.microsoft.com/office/drawing/2010/main" xmlns:mv="urn:schemas-microsoft-com:mac:vml" xmlns:mc="http://schemas.openxmlformats.org/markup-compatibility/2006" val="0"/>
               </a:ext>
             </a:extLst>
           </a:blip>
@@ -4575,73 +4461,10 @@
           </a:fontRef>
         </p:style>
       </p:sp>
-      <p:sp>
-        <p:nvSpPr>
-          <p:cNvPr id="18" name="Slide Number Placeholder 5"/>
-          <p:cNvSpPr>
-            <a:spLocks noGrp="1"/>
-          </p:cNvSpPr>
-          <p:nvPr>
-            <p:ph type="sldNum" sz="quarter" idx="12"/>
-          </p:nvPr>
-        </p:nvSpPr>
-        <p:spPr>
-          <a:xfrm>
-            <a:off x="6457950" y="6356351"/>
-            <a:ext cx="2057400" cy="365125"/>
-          </a:xfrm>
-        </p:spPr>
-        <p:txBody>
-          <a:bodyPr/>
-          <a:lstStyle>
-            <a:lvl1pPr marL="0" marR="0" indent="0" algn="r" defTabSz="914400" rtl="0" eaLnBrk="1" fontAlgn="auto" latinLnBrk="0" hangingPunct="1">
-              <a:lnSpc>
-                <a:spcPct val="100000"/>
-              </a:lnSpc>
-              <a:spcBef>
-                <a:spcPts val="0"/>
-              </a:spcBef>
-              <a:spcAft>
-                <a:spcPts val="0"/>
-              </a:spcAft>
-              <a:buClrTx/>
-              <a:buSzTx/>
-              <a:buFontTx/>
-              <a:buNone/>
-              <a:tabLst/>
-              <a:defRPr/>
-            </a:lvl1pPr>
-          </a:lstStyle>
-          <a:p>
-            <a:r>
-              <a:rPr lang="en-US" dirty="0" smtClean="0"/>
-              <a:t>Confidential</a:t>
-            </a:r>
-          </a:p>
-          <a:p>
-            <a:r>
-              <a:rPr lang="en-US" dirty="0" err="1" smtClean="0"/>
-              <a:t>Silith.IO</a:t>
-            </a:r>
-            <a:r>
-              <a:rPr lang="en-US" dirty="0" smtClean="0"/>
-              <a:t> – North American </a:t>
-            </a:r>
-            <a:r>
-              <a:rPr lang="en-US" dirty="0" err="1" smtClean="0"/>
-              <a:t>BanCard</a:t>
-            </a:r>
-            <a:endParaRPr lang="en-US" dirty="0" smtClean="0"/>
-          </a:p>
-          <a:p>
-            <a:endParaRPr lang="en-US" dirty="0"/>
-          </a:p>
-        </p:txBody>
-      </p:sp>
     </p:spTree>
     <p:extLst>
       <p:ext uri="{BB962C8B-B14F-4D97-AF65-F5344CB8AC3E}">
-        <p14:creationId xmlns:mc="http://schemas.openxmlformats.org/markup-compatibility/2006" xmlns:mv="urn:schemas-microsoft-com:mac:vml" xmlns:p14="http://schemas.microsoft.com/office/powerpoint/2010/main" xmlns:p="http://schemas.openxmlformats.org/presentationml/2006/main" xmlns:r="http://schemas.openxmlformats.org/officeDocument/2006/relationships" xmlns:a="http://schemas.openxmlformats.org/drawingml/2006/main" xmlns="" val="2254038478"/>
+        <p14:creationId xmlns="" xmlns:a="http://schemas.openxmlformats.org/drawingml/2006/main" xmlns:r="http://schemas.openxmlformats.org/officeDocument/2006/relationships" xmlns:p="http://schemas.openxmlformats.org/presentationml/2006/main" xmlns:p14="http://schemas.microsoft.com/office/powerpoint/2010/main" xmlns:mv="urn:schemas-microsoft-com:mac:vml" xmlns:mc="http://schemas.openxmlformats.org/markup-compatibility/2006" val="2254038478"/>
       </p:ext>
     </p:extLst>
   </p:cSld>
@@ -4687,7 +4510,7 @@
           <a:blip r:embed="rId3" cstate="email">
             <a:extLst>
               <a:ext uri="{28A0092B-C50C-407E-A947-70E740481C1C}">
-                <a14:useLocalDpi xmlns:mc="http://schemas.openxmlformats.org/markup-compatibility/2006" xmlns:mv="urn:schemas-microsoft-com:mac:vml" xmlns:a14="http://schemas.microsoft.com/office/drawing/2010/main" xmlns:p="http://schemas.openxmlformats.org/presentationml/2006/main" xmlns:r="http://schemas.openxmlformats.org/officeDocument/2006/relationships" xmlns:a="http://schemas.openxmlformats.org/drawingml/2006/main" xmlns="" val="0"/>
+                <a14:useLocalDpi xmlns="" xmlns:a="http://schemas.openxmlformats.org/drawingml/2006/main" xmlns:r="http://schemas.openxmlformats.org/officeDocument/2006/relationships" xmlns:p="http://schemas.openxmlformats.org/presentationml/2006/main" xmlns:a14="http://schemas.microsoft.com/office/drawing/2010/main" xmlns:mv="urn:schemas-microsoft-com:mac:vml" xmlns:mc="http://schemas.openxmlformats.org/markup-compatibility/2006" val="0"/>
               </a:ext>
             </a:extLst>
           </a:blip>
@@ -4707,7 +4530,7 @@
           <a:noFill/>
           <a:extLst>
             <a:ext uri="{909E8E84-426E-40DD-AFC4-6F175D3DCCD1}">
-              <a14:hiddenFill xmlns:mc="http://schemas.openxmlformats.org/markup-compatibility/2006" xmlns:mv="urn:schemas-microsoft-com:mac:vml" xmlns:a14="http://schemas.microsoft.com/office/drawing/2010/main" xmlns:p="http://schemas.openxmlformats.org/presentationml/2006/main" xmlns:r="http://schemas.openxmlformats.org/officeDocument/2006/relationships" xmlns:a="http://schemas.openxmlformats.org/drawingml/2006/main" xmlns="">
+              <a14:hiddenFill xmlns="" xmlns:a="http://schemas.openxmlformats.org/drawingml/2006/main" xmlns:r="http://schemas.openxmlformats.org/officeDocument/2006/relationships" xmlns:p="http://schemas.openxmlformats.org/presentationml/2006/main" xmlns:a14="http://schemas.microsoft.com/office/drawing/2010/main" xmlns:mv="urn:schemas-microsoft-com:mac:vml" xmlns:mc="http://schemas.openxmlformats.org/markup-compatibility/2006">
                 <a:solidFill>
                   <a:srgbClr val="FFFFFF"/>
                 </a:solidFill>
@@ -4728,7 +4551,7 @@
           <a:blip r:embed="rId4" cstate="email">
             <a:extLst>
               <a:ext uri="{28A0092B-C50C-407E-A947-70E740481C1C}">
-                <a14:useLocalDpi xmlns:mc="http://schemas.openxmlformats.org/markup-compatibility/2006" xmlns:mv="urn:schemas-microsoft-com:mac:vml" xmlns:a14="http://schemas.microsoft.com/office/drawing/2010/main" xmlns:p="http://schemas.openxmlformats.org/presentationml/2006/main" xmlns:r="http://schemas.openxmlformats.org/officeDocument/2006/relationships" xmlns:a="http://schemas.openxmlformats.org/drawingml/2006/main" xmlns="" val="0"/>
+                <a14:useLocalDpi xmlns="" xmlns:a="http://schemas.openxmlformats.org/drawingml/2006/main" xmlns:r="http://schemas.openxmlformats.org/officeDocument/2006/relationships" xmlns:p="http://schemas.openxmlformats.org/presentationml/2006/main" xmlns:a14="http://schemas.microsoft.com/office/drawing/2010/main" xmlns:mv="urn:schemas-microsoft-com:mac:vml" xmlns:mc="http://schemas.openxmlformats.org/markup-compatibility/2006" val="0"/>
               </a:ext>
             </a:extLst>
           </a:blip>
@@ -4746,73 +4569,10 @@
           </a:prstGeom>
         </p:spPr>
       </p:pic>
-      <p:sp>
-        <p:nvSpPr>
-          <p:cNvPr id="5" name="Slide Number Placeholder 5"/>
-          <p:cNvSpPr>
-            <a:spLocks noGrp="1"/>
-          </p:cNvSpPr>
-          <p:nvPr>
-            <p:ph type="sldNum" sz="quarter" idx="12"/>
-          </p:nvPr>
-        </p:nvSpPr>
-        <p:spPr>
-          <a:xfrm>
-            <a:off x="6457950" y="6356351"/>
-            <a:ext cx="2057400" cy="365125"/>
-          </a:xfrm>
-        </p:spPr>
-        <p:txBody>
-          <a:bodyPr/>
-          <a:lstStyle>
-            <a:lvl1pPr marL="0" marR="0" indent="0" algn="r" defTabSz="914400" rtl="0" eaLnBrk="1" fontAlgn="auto" latinLnBrk="0" hangingPunct="1">
-              <a:lnSpc>
-                <a:spcPct val="100000"/>
-              </a:lnSpc>
-              <a:spcBef>
-                <a:spcPts val="0"/>
-              </a:spcBef>
-              <a:spcAft>
-                <a:spcPts val="0"/>
-              </a:spcAft>
-              <a:buClrTx/>
-              <a:buSzTx/>
-              <a:buFontTx/>
-              <a:buNone/>
-              <a:tabLst/>
-              <a:defRPr/>
-            </a:lvl1pPr>
-          </a:lstStyle>
-          <a:p>
-            <a:r>
-              <a:rPr lang="en-US" dirty="0" smtClean="0"/>
-              <a:t>Confidential</a:t>
-            </a:r>
-          </a:p>
-          <a:p>
-            <a:r>
-              <a:rPr lang="en-US" dirty="0" err="1" smtClean="0"/>
-              <a:t>Silith.IO</a:t>
-            </a:r>
-            <a:r>
-              <a:rPr lang="en-US" dirty="0" smtClean="0"/>
-              <a:t> – North American </a:t>
-            </a:r>
-            <a:r>
-              <a:rPr lang="en-US" dirty="0" err="1" smtClean="0"/>
-              <a:t>BanCard</a:t>
-            </a:r>
-            <a:endParaRPr lang="en-US" dirty="0" smtClean="0"/>
-          </a:p>
-          <a:p>
-            <a:endParaRPr lang="en-US" dirty="0"/>
-          </a:p>
-        </p:txBody>
-      </p:sp>
     </p:spTree>
     <p:extLst>
       <p:ext uri="{BB962C8B-B14F-4D97-AF65-F5344CB8AC3E}">
-        <p14:creationId xmlns:mc="http://schemas.openxmlformats.org/markup-compatibility/2006" xmlns:mv="urn:schemas-microsoft-com:mac:vml" xmlns:p14="http://schemas.microsoft.com/office/powerpoint/2010/main" xmlns:p="http://schemas.openxmlformats.org/presentationml/2006/main" xmlns:r="http://schemas.openxmlformats.org/officeDocument/2006/relationships" xmlns:a="http://schemas.openxmlformats.org/drawingml/2006/main" xmlns="" val="3772938651"/>
+        <p14:creationId xmlns="" xmlns:a="http://schemas.openxmlformats.org/drawingml/2006/main" xmlns:r="http://schemas.openxmlformats.org/officeDocument/2006/relationships" xmlns:p="http://schemas.openxmlformats.org/presentationml/2006/main" xmlns:p14="http://schemas.microsoft.com/office/powerpoint/2010/main" xmlns:mv="urn:schemas-microsoft-com:mac:vml" xmlns:mc="http://schemas.openxmlformats.org/markup-compatibility/2006" val="3772938651"/>
       </p:ext>
     </p:extLst>
   </p:cSld>
@@ -4858,7 +4618,7 @@
           <a:blip r:embed="rId2" cstate="email">
             <a:extLst>
               <a:ext uri="{28A0092B-C50C-407E-A947-70E740481C1C}">
-                <a14:useLocalDpi xmlns:mc="http://schemas.openxmlformats.org/markup-compatibility/2006" xmlns:mv="urn:schemas-microsoft-com:mac:vml" xmlns:a14="http://schemas.microsoft.com/office/drawing/2010/main" xmlns:p="http://schemas.openxmlformats.org/presentationml/2006/main" xmlns:r="http://schemas.openxmlformats.org/officeDocument/2006/relationships" xmlns:a="http://schemas.openxmlformats.org/drawingml/2006/main" xmlns="" val="0"/>
+                <a14:useLocalDpi xmlns="" xmlns:a="http://schemas.openxmlformats.org/drawingml/2006/main" xmlns:r="http://schemas.openxmlformats.org/officeDocument/2006/relationships" xmlns:p="http://schemas.openxmlformats.org/presentationml/2006/main" xmlns:a14="http://schemas.microsoft.com/office/drawing/2010/main" xmlns:mv="urn:schemas-microsoft-com:mac:vml" xmlns:mc="http://schemas.openxmlformats.org/markup-compatibility/2006" val="0"/>
               </a:ext>
             </a:extLst>
           </a:blip>
@@ -4878,7 +4638,7 @@
           <a:noFill/>
           <a:extLst>
             <a:ext uri="{909E8E84-426E-40DD-AFC4-6F175D3DCCD1}">
-              <a14:hiddenFill xmlns:mc="http://schemas.openxmlformats.org/markup-compatibility/2006" xmlns:mv="urn:schemas-microsoft-com:mac:vml" xmlns:a14="http://schemas.microsoft.com/office/drawing/2010/main" xmlns:p="http://schemas.openxmlformats.org/presentationml/2006/main" xmlns:r="http://schemas.openxmlformats.org/officeDocument/2006/relationships" xmlns:a="http://schemas.openxmlformats.org/drawingml/2006/main" xmlns="">
+              <a14:hiddenFill xmlns="" xmlns:a="http://schemas.openxmlformats.org/drawingml/2006/main" xmlns:r="http://schemas.openxmlformats.org/officeDocument/2006/relationships" xmlns:p="http://schemas.openxmlformats.org/presentationml/2006/main" xmlns:a14="http://schemas.microsoft.com/office/drawing/2010/main" xmlns:mv="urn:schemas-microsoft-com:mac:vml" xmlns:mc="http://schemas.openxmlformats.org/markup-compatibility/2006">
                 <a:solidFill>
                   <a:srgbClr val="FFFFFF"/>
                 </a:solidFill>
@@ -4899,7 +4659,7 @@
           <a:blip r:embed="rId3" cstate="email">
             <a:extLst>
               <a:ext uri="{28A0092B-C50C-407E-A947-70E740481C1C}">
-                <a14:useLocalDpi xmlns:mc="http://schemas.openxmlformats.org/markup-compatibility/2006" xmlns:mv="urn:schemas-microsoft-com:mac:vml" xmlns:a14="http://schemas.microsoft.com/office/drawing/2010/main" xmlns:p="http://schemas.openxmlformats.org/presentationml/2006/main" xmlns:r="http://schemas.openxmlformats.org/officeDocument/2006/relationships" xmlns:a="http://schemas.openxmlformats.org/drawingml/2006/main" xmlns="" val="0"/>
+                <a14:useLocalDpi xmlns="" xmlns:a="http://schemas.openxmlformats.org/drawingml/2006/main" xmlns:r="http://schemas.openxmlformats.org/officeDocument/2006/relationships" xmlns:p="http://schemas.openxmlformats.org/presentationml/2006/main" xmlns:a14="http://schemas.microsoft.com/office/drawing/2010/main" xmlns:mv="urn:schemas-microsoft-com:mac:vml" xmlns:mc="http://schemas.openxmlformats.org/markup-compatibility/2006" val="0"/>
               </a:ext>
             </a:extLst>
           </a:blip>
@@ -4917,73 +4677,10 @@
           </a:prstGeom>
         </p:spPr>
       </p:pic>
-      <p:sp>
-        <p:nvSpPr>
-          <p:cNvPr id="4" name="Slide Number Placeholder 5"/>
-          <p:cNvSpPr>
-            <a:spLocks noGrp="1"/>
-          </p:cNvSpPr>
-          <p:nvPr>
-            <p:ph type="sldNum" sz="quarter" idx="12"/>
-          </p:nvPr>
-        </p:nvSpPr>
-        <p:spPr>
-          <a:xfrm>
-            <a:off x="6457950" y="6356351"/>
-            <a:ext cx="2057400" cy="365125"/>
-          </a:xfrm>
-        </p:spPr>
-        <p:txBody>
-          <a:bodyPr/>
-          <a:lstStyle>
-            <a:lvl1pPr marL="0" marR="0" indent="0" algn="r" defTabSz="914400" rtl="0" eaLnBrk="1" fontAlgn="auto" latinLnBrk="0" hangingPunct="1">
-              <a:lnSpc>
-                <a:spcPct val="100000"/>
-              </a:lnSpc>
-              <a:spcBef>
-                <a:spcPts val="0"/>
-              </a:spcBef>
-              <a:spcAft>
-                <a:spcPts val="0"/>
-              </a:spcAft>
-              <a:buClrTx/>
-              <a:buSzTx/>
-              <a:buFontTx/>
-              <a:buNone/>
-              <a:tabLst/>
-              <a:defRPr/>
-            </a:lvl1pPr>
-          </a:lstStyle>
-          <a:p>
-            <a:r>
-              <a:rPr lang="en-US" dirty="0" smtClean="0"/>
-              <a:t>Confidential</a:t>
-            </a:r>
-          </a:p>
-          <a:p>
-            <a:r>
-              <a:rPr lang="en-US" dirty="0" err="1" smtClean="0"/>
-              <a:t>Silith.IO</a:t>
-            </a:r>
-            <a:r>
-              <a:rPr lang="en-US" dirty="0" smtClean="0"/>
-              <a:t> – North American </a:t>
-            </a:r>
-            <a:r>
-              <a:rPr lang="en-US" dirty="0" err="1" smtClean="0"/>
-              <a:t>BanCard</a:t>
-            </a:r>
-            <a:endParaRPr lang="en-US" dirty="0" smtClean="0"/>
-          </a:p>
-          <a:p>
-            <a:endParaRPr lang="en-US" dirty="0"/>
-          </a:p>
-        </p:txBody>
-      </p:sp>
     </p:spTree>
     <p:extLst>
       <p:ext uri="{BB962C8B-B14F-4D97-AF65-F5344CB8AC3E}">
-        <p14:creationId xmlns:mc="http://schemas.openxmlformats.org/markup-compatibility/2006" xmlns:mv="urn:schemas-microsoft-com:mac:vml" xmlns:p14="http://schemas.microsoft.com/office/powerpoint/2010/main" xmlns:p="http://schemas.openxmlformats.org/presentationml/2006/main" xmlns:r="http://schemas.openxmlformats.org/officeDocument/2006/relationships" xmlns:a="http://schemas.openxmlformats.org/drawingml/2006/main" xmlns="" val="743682954"/>
+        <p14:creationId xmlns="" xmlns:a="http://schemas.openxmlformats.org/drawingml/2006/main" xmlns:r="http://schemas.openxmlformats.org/officeDocument/2006/relationships" xmlns:p="http://schemas.openxmlformats.org/presentationml/2006/main" xmlns:p14="http://schemas.microsoft.com/office/powerpoint/2010/main" xmlns:mv="urn:schemas-microsoft-com:mac:vml" xmlns:mc="http://schemas.openxmlformats.org/markup-compatibility/2006" val="743682954"/>
       </p:ext>
     </p:extLst>
   </p:cSld>
@@ -5029,7 +4726,7 @@
           <a:blip r:embed="rId2" cstate="email">
             <a:extLst>
               <a:ext uri="{28A0092B-C50C-407E-A947-70E740481C1C}">
-                <a14:useLocalDpi xmlns:mc="http://schemas.openxmlformats.org/markup-compatibility/2006" xmlns:mv="urn:schemas-microsoft-com:mac:vml" xmlns:a14="http://schemas.microsoft.com/office/drawing/2010/main" xmlns:p="http://schemas.openxmlformats.org/presentationml/2006/main" xmlns:r="http://schemas.openxmlformats.org/officeDocument/2006/relationships" xmlns:a="http://schemas.openxmlformats.org/drawingml/2006/main" xmlns="" val="0"/>
+                <a14:useLocalDpi xmlns="" xmlns:a="http://schemas.openxmlformats.org/drawingml/2006/main" xmlns:r="http://schemas.openxmlformats.org/officeDocument/2006/relationships" xmlns:p="http://schemas.openxmlformats.org/presentationml/2006/main" xmlns:a14="http://schemas.microsoft.com/office/drawing/2010/main" xmlns:mv="urn:schemas-microsoft-com:mac:vml" xmlns:mc="http://schemas.openxmlformats.org/markup-compatibility/2006" val="0"/>
               </a:ext>
             </a:extLst>
           </a:blip>
@@ -5049,7 +4746,7 @@
           <a:noFill/>
           <a:extLst>
             <a:ext uri="{909E8E84-426E-40DD-AFC4-6F175D3DCCD1}">
-              <a14:hiddenFill xmlns:mc="http://schemas.openxmlformats.org/markup-compatibility/2006" xmlns:mv="urn:schemas-microsoft-com:mac:vml" xmlns:a14="http://schemas.microsoft.com/office/drawing/2010/main" xmlns:p="http://schemas.openxmlformats.org/presentationml/2006/main" xmlns:r="http://schemas.openxmlformats.org/officeDocument/2006/relationships" xmlns:a="http://schemas.openxmlformats.org/drawingml/2006/main" xmlns="">
+              <a14:hiddenFill xmlns="" xmlns:a="http://schemas.openxmlformats.org/drawingml/2006/main" xmlns:r="http://schemas.openxmlformats.org/officeDocument/2006/relationships" xmlns:p="http://schemas.openxmlformats.org/presentationml/2006/main" xmlns:a14="http://schemas.microsoft.com/office/drawing/2010/main" xmlns:mv="urn:schemas-microsoft-com:mac:vml" xmlns:mc="http://schemas.openxmlformats.org/markup-compatibility/2006">
                 <a:solidFill>
                   <a:srgbClr val="FFFFFF"/>
                 </a:solidFill>
@@ -5070,7 +4767,7 @@
           <a:blip r:embed="rId3" cstate="email">
             <a:extLst>
               <a:ext uri="{28A0092B-C50C-407E-A947-70E740481C1C}">
-                <a14:useLocalDpi xmlns:mc="http://schemas.openxmlformats.org/markup-compatibility/2006" xmlns:mv="urn:schemas-microsoft-com:mac:vml" xmlns:a14="http://schemas.microsoft.com/office/drawing/2010/main" xmlns:p="http://schemas.openxmlformats.org/presentationml/2006/main" xmlns:r="http://schemas.openxmlformats.org/officeDocument/2006/relationships" xmlns:a="http://schemas.openxmlformats.org/drawingml/2006/main" xmlns="" val="0"/>
+                <a14:useLocalDpi xmlns="" xmlns:a="http://schemas.openxmlformats.org/drawingml/2006/main" xmlns:r="http://schemas.openxmlformats.org/officeDocument/2006/relationships" xmlns:p="http://schemas.openxmlformats.org/presentationml/2006/main" xmlns:a14="http://schemas.microsoft.com/office/drawing/2010/main" xmlns:mv="urn:schemas-microsoft-com:mac:vml" xmlns:mc="http://schemas.openxmlformats.org/markup-compatibility/2006" val="0"/>
               </a:ext>
             </a:extLst>
           </a:blip>
@@ -5088,73 +4785,10 @@
           </a:prstGeom>
         </p:spPr>
       </p:pic>
-      <p:sp>
-        <p:nvSpPr>
-          <p:cNvPr id="5" name="Slide Number Placeholder 5"/>
-          <p:cNvSpPr>
-            <a:spLocks noGrp="1"/>
-          </p:cNvSpPr>
-          <p:nvPr>
-            <p:ph type="sldNum" sz="quarter" idx="12"/>
-          </p:nvPr>
-        </p:nvSpPr>
-        <p:spPr>
-          <a:xfrm>
-            <a:off x="6457950" y="6356351"/>
-            <a:ext cx="2057400" cy="365125"/>
-          </a:xfrm>
-        </p:spPr>
-        <p:txBody>
-          <a:bodyPr/>
-          <a:lstStyle>
-            <a:lvl1pPr marL="0" marR="0" indent="0" algn="r" defTabSz="914400" rtl="0" eaLnBrk="1" fontAlgn="auto" latinLnBrk="0" hangingPunct="1">
-              <a:lnSpc>
-                <a:spcPct val="100000"/>
-              </a:lnSpc>
-              <a:spcBef>
-                <a:spcPts val="0"/>
-              </a:spcBef>
-              <a:spcAft>
-                <a:spcPts val="0"/>
-              </a:spcAft>
-              <a:buClrTx/>
-              <a:buSzTx/>
-              <a:buFontTx/>
-              <a:buNone/>
-              <a:tabLst/>
-              <a:defRPr/>
-            </a:lvl1pPr>
-          </a:lstStyle>
-          <a:p>
-            <a:r>
-              <a:rPr lang="en-US" dirty="0" smtClean="0"/>
-              <a:t>Confidential</a:t>
-            </a:r>
-          </a:p>
-          <a:p>
-            <a:r>
-              <a:rPr lang="en-US" dirty="0" err="1" smtClean="0"/>
-              <a:t>Silith.IO</a:t>
-            </a:r>
-            <a:r>
-              <a:rPr lang="en-US" dirty="0" smtClean="0"/>
-              <a:t> – North American </a:t>
-            </a:r>
-            <a:r>
-              <a:rPr lang="en-US" dirty="0" err="1" smtClean="0"/>
-              <a:t>BanCard</a:t>
-            </a:r>
-            <a:endParaRPr lang="en-US" dirty="0" smtClean="0"/>
-          </a:p>
-          <a:p>
-            <a:endParaRPr lang="en-US" dirty="0"/>
-          </a:p>
-        </p:txBody>
-      </p:sp>
     </p:spTree>
     <p:extLst>
       <p:ext uri="{BB962C8B-B14F-4D97-AF65-F5344CB8AC3E}">
-        <p14:creationId xmlns:mc="http://schemas.openxmlformats.org/markup-compatibility/2006" xmlns:mv="urn:schemas-microsoft-com:mac:vml" xmlns:p14="http://schemas.microsoft.com/office/powerpoint/2010/main" xmlns:p="http://schemas.openxmlformats.org/presentationml/2006/main" xmlns:r="http://schemas.openxmlformats.org/officeDocument/2006/relationships" xmlns:a="http://schemas.openxmlformats.org/drawingml/2006/main" xmlns="" val="1096728072"/>
+        <p14:creationId xmlns="" xmlns:a="http://schemas.openxmlformats.org/drawingml/2006/main" xmlns:r="http://schemas.openxmlformats.org/officeDocument/2006/relationships" xmlns:p="http://schemas.openxmlformats.org/presentationml/2006/main" xmlns:p14="http://schemas.microsoft.com/office/powerpoint/2010/main" xmlns:mv="urn:schemas-microsoft-com:mac:vml" xmlns:mc="http://schemas.openxmlformats.org/markup-compatibility/2006" val="1096728072"/>
       </p:ext>
     </p:extLst>
   </p:cSld>
@@ -5190,7 +4824,7 @@
       </p:grpSpPr>
       <p:pic>
         <p:nvPicPr>
-          <p:cNvPr id="2" name="Picture 1"/>
+          <p:cNvPr id="5" name="Picture 4"/>
           <p:cNvPicPr>
             <a:picLocks noChangeAspect="1"/>
           </p:cNvPicPr>
@@ -5204,113 +4838,18 @@
         </p:blipFill>
         <p:spPr>
           <a:xfrm>
-            <a:off x="293064" y="706594"/>
-            <a:ext cx="8567059" cy="5354412"/>
+            <a:off x="418189" y="1067850"/>
+            <a:ext cx="8314518" cy="4438155"/>
           </a:xfrm>
           <a:prstGeom prst="rect">
             <a:avLst/>
           </a:prstGeom>
         </p:spPr>
       </p:pic>
-      <p:pic>
-        <p:nvPicPr>
-          <p:cNvPr id="3" name="Picture 2"/>
-          <p:cNvPicPr>
-            <a:picLocks noChangeAspect="1"/>
-          </p:cNvPicPr>
-          <p:nvPr/>
-        </p:nvPicPr>
-        <p:blipFill>
-          <a:blip r:embed="rId4"/>
-          <a:stretch>
-            <a:fillRect/>
-          </a:stretch>
-        </p:blipFill>
-        <p:spPr>
-          <a:xfrm>
-            <a:off x="293064" y="706595"/>
-            <a:ext cx="8567059" cy="5354412"/>
-          </a:xfrm>
-          <a:prstGeom prst="rect">
-            <a:avLst/>
-          </a:prstGeom>
-        </p:spPr>
-      </p:pic>
-      <p:sp>
-        <p:nvSpPr>
-          <p:cNvPr id="4" name="Slide Number Placeholder 5"/>
-          <p:cNvSpPr>
-            <a:spLocks noGrp="1"/>
-          </p:cNvSpPr>
-          <p:nvPr>
-            <p:ph type="sldNum" sz="quarter" idx="12"/>
-          </p:nvPr>
-        </p:nvSpPr>
-        <p:spPr>
-          <a:xfrm>
-            <a:off x="6457950" y="6492875"/>
-            <a:ext cx="2057400" cy="365125"/>
-          </a:xfrm>
-        </p:spPr>
-        <p:txBody>
-          <a:bodyPr/>
-          <a:lstStyle>
-            <a:lvl1pPr marL="0" marR="0" indent="0" algn="r" defTabSz="914400" rtl="0" eaLnBrk="1" fontAlgn="auto" latinLnBrk="0" hangingPunct="1">
-              <a:lnSpc>
-                <a:spcPct val="100000"/>
-              </a:lnSpc>
-              <a:spcBef>
-                <a:spcPts val="0"/>
-              </a:spcBef>
-              <a:spcAft>
-                <a:spcPts val="0"/>
-              </a:spcAft>
-              <a:buClrTx/>
-              <a:buSzTx/>
-              <a:buFontTx/>
-              <a:buNone/>
-              <a:tabLst/>
-              <a:defRPr/>
-            </a:lvl1pPr>
-          </a:lstStyle>
-          <a:p>
-            <a:r>
-              <a:rPr lang="en-US" dirty="0" smtClean="0"/>
-              <a:t>Confidential</a:t>
-            </a:r>
-          </a:p>
-          <a:p>
-            <a:r>
-              <a:rPr lang="en-US" dirty="0" err="1" smtClean="0"/>
-              <a:t>Silith.IO</a:t>
-            </a:r>
-            <a:r>
-              <a:rPr lang="en-US" dirty="0" smtClean="0"/>
-              <a:t> </a:t>
-            </a:r>
-            <a:r>
-              <a:rPr lang="en-US" dirty="0" smtClean="0"/>
-              <a:t>–</a:t>
-            </a:r>
-            <a:r>
-              <a:rPr lang="en-US" dirty="0" smtClean="0"/>
-              <a:t> North American </a:t>
-            </a:r>
-            <a:r>
-              <a:rPr lang="en-US" dirty="0" err="1" smtClean="0"/>
-              <a:t>BanCard</a:t>
-            </a:r>
-            <a:endParaRPr lang="en-US" dirty="0" smtClean="0"/>
-          </a:p>
-          <a:p>
-            <a:endParaRPr lang="en-US" dirty="0"/>
-          </a:p>
-        </p:txBody>
-      </p:sp>
     </p:spTree>
     <p:extLst>
       <p:ext uri="{BB962C8B-B14F-4D97-AF65-F5344CB8AC3E}">
-        <p14:creationId xmlns:mc="http://schemas.openxmlformats.org/markup-compatibility/2006" xmlns:mv="urn:schemas-microsoft-com:mac:vml" xmlns:p14="http://schemas.microsoft.com/office/powerpoint/2010/main" xmlns:p="http://schemas.openxmlformats.org/presentationml/2006/main" xmlns:r="http://schemas.openxmlformats.org/officeDocument/2006/relationships" xmlns:a="http://schemas.openxmlformats.org/drawingml/2006/main" xmlns="" val="1048794646"/>
+        <p14:creationId xmlns="" xmlns:a="http://schemas.openxmlformats.org/drawingml/2006/main" xmlns:r="http://schemas.openxmlformats.org/officeDocument/2006/relationships" xmlns:p="http://schemas.openxmlformats.org/presentationml/2006/main" xmlns:p14="http://schemas.microsoft.com/office/powerpoint/2010/main" xmlns:mv="urn:schemas-microsoft-com:mac:vml" xmlns:mc="http://schemas.openxmlformats.org/markup-compatibility/2006" val="1048794646"/>
       </p:ext>
     </p:extLst>
   </p:cSld>
@@ -5346,7 +4885,7 @@
       </p:grpSpPr>
       <p:pic>
         <p:nvPicPr>
-          <p:cNvPr id="2" name="Picture 1"/>
+          <p:cNvPr id="5" name="Picture 4"/>
           <p:cNvPicPr>
             <a:picLocks noChangeAspect="1"/>
           </p:cNvPicPr>
@@ -5360,81 +4899,42 @@
         </p:blipFill>
         <p:spPr>
           <a:xfrm>
-            <a:off x="293063" y="706594"/>
-            <a:ext cx="8567059" cy="5354412"/>
+            <a:off x="418189" y="1067850"/>
+            <a:ext cx="8314518" cy="4438155"/>
           </a:xfrm>
           <a:prstGeom prst="rect">
             <a:avLst/>
           </a:prstGeom>
         </p:spPr>
       </p:pic>
-      <p:sp>
-        <p:nvSpPr>
-          <p:cNvPr id="3" name="Slide Number Placeholder 5"/>
-          <p:cNvSpPr>
-            <a:spLocks noGrp="1"/>
-          </p:cNvSpPr>
-          <p:nvPr>
-            <p:ph type="sldNum" sz="quarter" idx="12"/>
-          </p:nvPr>
-        </p:nvSpPr>
+      <p:pic>
+        <p:nvPicPr>
+          <p:cNvPr id="3" name="Picture 2"/>
+          <p:cNvPicPr>
+            <a:picLocks noChangeAspect="1"/>
+          </p:cNvPicPr>
+          <p:nvPr/>
+        </p:nvPicPr>
+        <p:blipFill>
+          <a:blip r:embed="rId4"/>
+          <a:stretch>
+            <a:fillRect/>
+          </a:stretch>
+        </p:blipFill>
         <p:spPr>
           <a:xfrm>
-            <a:off x="6457950" y="6356351"/>
-            <a:ext cx="2057400" cy="365125"/>
+            <a:off x="403947" y="1060236"/>
+            <a:ext cx="8315625" cy="4445769"/>
           </a:xfrm>
+          <a:prstGeom prst="rect">
+            <a:avLst/>
+          </a:prstGeom>
         </p:spPr>
-        <p:txBody>
-          <a:bodyPr/>
-          <a:lstStyle>
-            <a:lvl1pPr marL="0" marR="0" indent="0" algn="r" defTabSz="914400" rtl="0" eaLnBrk="1" fontAlgn="auto" latinLnBrk="0" hangingPunct="1">
-              <a:lnSpc>
-                <a:spcPct val="100000"/>
-              </a:lnSpc>
-              <a:spcBef>
-                <a:spcPts val="0"/>
-              </a:spcBef>
-              <a:spcAft>
-                <a:spcPts val="0"/>
-              </a:spcAft>
-              <a:buClrTx/>
-              <a:buSzTx/>
-              <a:buFontTx/>
-              <a:buNone/>
-              <a:tabLst/>
-              <a:defRPr/>
-            </a:lvl1pPr>
-          </a:lstStyle>
-          <a:p>
-            <a:r>
-              <a:rPr lang="en-US" dirty="0" smtClean="0"/>
-              <a:t>Confidential</a:t>
-            </a:r>
-          </a:p>
-          <a:p>
-            <a:r>
-              <a:rPr lang="en-US" dirty="0" err="1" smtClean="0"/>
-              <a:t>Silith.IO</a:t>
-            </a:r>
-            <a:r>
-              <a:rPr lang="en-US" dirty="0" smtClean="0"/>
-              <a:t> – North American </a:t>
-            </a:r>
-            <a:r>
-              <a:rPr lang="en-US" dirty="0" err="1" smtClean="0"/>
-              <a:t>BanCard</a:t>
-            </a:r>
-            <a:endParaRPr lang="en-US" dirty="0" smtClean="0"/>
-          </a:p>
-          <a:p>
-            <a:endParaRPr lang="en-US" dirty="0"/>
-          </a:p>
-        </p:txBody>
-      </p:sp>
+      </p:pic>
     </p:spTree>
     <p:extLst>
       <p:ext uri="{BB962C8B-B14F-4D97-AF65-F5344CB8AC3E}">
-        <p14:creationId xmlns:mc="http://schemas.openxmlformats.org/markup-compatibility/2006" xmlns:mv="urn:schemas-microsoft-com:mac:vml" xmlns:p14="http://schemas.microsoft.com/office/powerpoint/2010/main" xmlns:p="http://schemas.openxmlformats.org/presentationml/2006/main" xmlns:r="http://schemas.openxmlformats.org/officeDocument/2006/relationships" xmlns:a="http://schemas.openxmlformats.org/drawingml/2006/main" xmlns="" val="245123816"/>
+        <p14:creationId xmlns="" xmlns:a="http://schemas.openxmlformats.org/drawingml/2006/main" xmlns:r="http://schemas.openxmlformats.org/officeDocument/2006/relationships" xmlns:p="http://schemas.openxmlformats.org/presentationml/2006/main" xmlns:p14="http://schemas.microsoft.com/office/powerpoint/2010/main" xmlns:mv="urn:schemas-microsoft-com:mac:vml" xmlns:mc="http://schemas.openxmlformats.org/markup-compatibility/2006" val="1048794646"/>
       </p:ext>
     </p:extLst>
   </p:cSld>
@@ -5470,7 +4970,7 @@
       </p:grpSpPr>
       <p:pic>
         <p:nvPicPr>
-          <p:cNvPr id="2" name="Picture 1"/>
+          <p:cNvPr id="5" name="Picture 4"/>
           <p:cNvPicPr>
             <a:picLocks noChangeAspect="1"/>
           </p:cNvPicPr>
@@ -5484,8 +4984,8 @@
         </p:blipFill>
         <p:spPr>
           <a:xfrm>
-            <a:off x="293063" y="706594"/>
-            <a:ext cx="8567059" cy="5354412"/>
+            <a:off x="418189" y="1067850"/>
+            <a:ext cx="8314518" cy="4438155"/>
           </a:xfrm>
           <a:prstGeom prst="rect">
             <a:avLst/>
@@ -5508,229 +5008,18 @@
         </p:blipFill>
         <p:spPr>
           <a:xfrm>
-            <a:off x="293063" y="706594"/>
-            <a:ext cx="8567060" cy="5354412"/>
+            <a:off x="418189" y="1067850"/>
+            <a:ext cx="8355828" cy="4438155"/>
           </a:xfrm>
           <a:prstGeom prst="rect">
             <a:avLst/>
           </a:prstGeom>
         </p:spPr>
       </p:pic>
-      <p:sp>
-        <p:nvSpPr>
-          <p:cNvPr id="4" name="Slide Number Placeholder 5"/>
-          <p:cNvSpPr>
-            <a:spLocks noGrp="1"/>
-          </p:cNvSpPr>
-          <p:nvPr>
-            <p:ph type="sldNum" sz="quarter" idx="12"/>
-          </p:nvPr>
-        </p:nvSpPr>
-        <p:spPr>
-          <a:xfrm>
-            <a:off x="6457950" y="6356351"/>
-            <a:ext cx="2057400" cy="365125"/>
-          </a:xfrm>
-        </p:spPr>
-        <p:txBody>
-          <a:bodyPr/>
-          <a:lstStyle>
-            <a:lvl1pPr marL="0" marR="0" indent="0" algn="r" defTabSz="914400" rtl="0" eaLnBrk="1" fontAlgn="auto" latinLnBrk="0" hangingPunct="1">
-              <a:lnSpc>
-                <a:spcPct val="100000"/>
-              </a:lnSpc>
-              <a:spcBef>
-                <a:spcPts val="0"/>
-              </a:spcBef>
-              <a:spcAft>
-                <a:spcPts val="0"/>
-              </a:spcAft>
-              <a:buClrTx/>
-              <a:buSzTx/>
-              <a:buFontTx/>
-              <a:buNone/>
-              <a:tabLst/>
-              <a:defRPr/>
-            </a:lvl1pPr>
-          </a:lstStyle>
-          <a:p>
-            <a:r>
-              <a:rPr lang="en-US" dirty="0" smtClean="0"/>
-              <a:t>Confidential</a:t>
-            </a:r>
-          </a:p>
-          <a:p>
-            <a:r>
-              <a:rPr lang="en-US" dirty="0" err="1" smtClean="0"/>
-              <a:t>Silith.IO</a:t>
-            </a:r>
-            <a:r>
-              <a:rPr lang="en-US" dirty="0" smtClean="0"/>
-              <a:t> – North American </a:t>
-            </a:r>
-            <a:r>
-              <a:rPr lang="en-US" dirty="0" err="1" smtClean="0"/>
-              <a:t>BanCard</a:t>
-            </a:r>
-            <a:endParaRPr lang="en-US" dirty="0" smtClean="0"/>
-          </a:p>
-          <a:p>
-            <a:endParaRPr lang="en-US" dirty="0"/>
-          </a:p>
-        </p:txBody>
-      </p:sp>
     </p:spTree>
     <p:extLst>
       <p:ext uri="{BB962C8B-B14F-4D97-AF65-F5344CB8AC3E}">
-        <p14:creationId xmlns:mc="http://schemas.openxmlformats.org/markup-compatibility/2006" xmlns:mv="urn:schemas-microsoft-com:mac:vml" xmlns:p14="http://schemas.microsoft.com/office/powerpoint/2010/main" xmlns:p="http://schemas.openxmlformats.org/presentationml/2006/main" xmlns:r="http://schemas.openxmlformats.org/officeDocument/2006/relationships" xmlns:a="http://schemas.openxmlformats.org/drawingml/2006/main" xmlns="" val="245123816"/>
-      </p:ext>
-    </p:extLst>
-  </p:cSld>
-  <p:clrMapOvr>
-    <a:masterClrMapping/>
-  </p:clrMapOvr>
-  <p:timing>
-    <p:tnLst>
-      <p:par>
-        <p:cTn id="1" dur="indefinite" restart="never" nodeType="tmRoot"/>
-      </p:par>
-    </p:tnLst>
-  </p:timing>
-</p:sld>
-</file>
-
-<file path=ppt/slides/slide9.xml><?xml version="1.0" encoding="utf-8"?>
-<p:sld xmlns:a="http://schemas.openxmlformats.org/drawingml/2006/main" xmlns:r="http://schemas.openxmlformats.org/officeDocument/2006/relationships" xmlns:mc="http://schemas.openxmlformats.org/markup-compatibility/2006" xmlns:mv="urn:schemas-microsoft-com:mac:vml" xmlns:p="http://schemas.openxmlformats.org/presentationml/2006/main" mc:Ignorable="mv" mc:PreserveAttributes="mv:*">
-  <p:cSld>
-    <p:spTree>
-      <p:nvGrpSpPr>
-        <p:cNvPr id="1" name=""/>
-        <p:cNvGrpSpPr/>
-        <p:nvPr/>
-      </p:nvGrpSpPr>
-      <p:grpSpPr>
-        <a:xfrm>
-          <a:off x="0" y="0"/>
-          <a:ext cx="0" cy="0"/>
-          <a:chOff x="0" y="0"/>
-          <a:chExt cx="0" cy="0"/>
-        </a:xfrm>
-      </p:grpSpPr>
-      <p:pic>
-        <p:nvPicPr>
-          <p:cNvPr id="2" name="Picture 1"/>
-          <p:cNvPicPr>
-            <a:picLocks noChangeAspect="1"/>
-          </p:cNvPicPr>
-          <p:nvPr/>
-        </p:nvPicPr>
-        <p:blipFill>
-          <a:blip r:embed="rId3"/>
-          <a:stretch>
-            <a:fillRect/>
-          </a:stretch>
-        </p:blipFill>
-        <p:spPr>
-          <a:xfrm>
-            <a:off x="293063" y="706594"/>
-            <a:ext cx="8567059" cy="5354412"/>
-          </a:xfrm>
-          <a:prstGeom prst="rect">
-            <a:avLst/>
-          </a:prstGeom>
-        </p:spPr>
-      </p:pic>
-      <p:pic>
-        <p:nvPicPr>
-          <p:cNvPr id="3" name="Picture 2"/>
-          <p:cNvPicPr>
-            <a:picLocks noChangeAspect="1"/>
-          </p:cNvPicPr>
-          <p:nvPr/>
-        </p:nvPicPr>
-        <p:blipFill>
-          <a:blip r:embed="rId4"/>
-          <a:stretch>
-            <a:fillRect/>
-          </a:stretch>
-        </p:blipFill>
-        <p:spPr>
-          <a:xfrm>
-            <a:off x="293063" y="706595"/>
-            <a:ext cx="8567059" cy="5354412"/>
-          </a:xfrm>
-          <a:prstGeom prst="rect">
-            <a:avLst/>
-          </a:prstGeom>
-        </p:spPr>
-      </p:pic>
-      <p:sp>
-        <p:nvSpPr>
-          <p:cNvPr id="4" name="Slide Number Placeholder 5"/>
-          <p:cNvSpPr>
-            <a:spLocks noGrp="1"/>
-          </p:cNvSpPr>
-          <p:nvPr>
-            <p:ph type="sldNum" sz="quarter" idx="12"/>
-          </p:nvPr>
-        </p:nvSpPr>
-        <p:spPr>
-          <a:xfrm>
-            <a:off x="6457950" y="6356351"/>
-            <a:ext cx="2057400" cy="365125"/>
-          </a:xfrm>
-        </p:spPr>
-        <p:txBody>
-          <a:bodyPr/>
-          <a:lstStyle>
-            <a:lvl1pPr marL="0" marR="0" indent="0" algn="r" defTabSz="914400" rtl="0" eaLnBrk="1" fontAlgn="auto" latinLnBrk="0" hangingPunct="1">
-              <a:lnSpc>
-                <a:spcPct val="100000"/>
-              </a:lnSpc>
-              <a:spcBef>
-                <a:spcPts val="0"/>
-              </a:spcBef>
-              <a:spcAft>
-                <a:spcPts val="0"/>
-              </a:spcAft>
-              <a:buClrTx/>
-              <a:buSzTx/>
-              <a:buFontTx/>
-              <a:buNone/>
-              <a:tabLst/>
-              <a:defRPr/>
-            </a:lvl1pPr>
-          </a:lstStyle>
-          <a:p>
-            <a:r>
-              <a:rPr lang="en-US" dirty="0" smtClean="0"/>
-              <a:t>Confidential</a:t>
-            </a:r>
-          </a:p>
-          <a:p>
-            <a:r>
-              <a:rPr lang="en-US" dirty="0" err="1" smtClean="0"/>
-              <a:t>Silith.IO</a:t>
-            </a:r>
-            <a:r>
-              <a:rPr lang="en-US" dirty="0" smtClean="0"/>
-              <a:t> – North American </a:t>
-            </a:r>
-            <a:r>
-              <a:rPr lang="en-US" dirty="0" err="1" smtClean="0"/>
-              <a:t>BanCard</a:t>
-            </a:r>
-            <a:endParaRPr lang="en-US" dirty="0" smtClean="0"/>
-          </a:p>
-          <a:p>
-            <a:endParaRPr lang="en-US" dirty="0"/>
-          </a:p>
-        </p:txBody>
-      </p:sp>
-    </p:spTree>
-    <p:extLst>
-      <p:ext uri="{BB962C8B-B14F-4D97-AF65-F5344CB8AC3E}">
-        <p14:creationId xmlns:mc="http://schemas.openxmlformats.org/markup-compatibility/2006" xmlns:mv="urn:schemas-microsoft-com:mac:vml" xmlns:p14="http://schemas.microsoft.com/office/powerpoint/2010/main" xmlns:p="http://schemas.openxmlformats.org/presentationml/2006/main" xmlns:r="http://schemas.openxmlformats.org/officeDocument/2006/relationships" xmlns:a="http://schemas.openxmlformats.org/drawingml/2006/main" xmlns="" val="245123816"/>
+        <p14:creationId xmlns="" xmlns:a="http://schemas.openxmlformats.org/drawingml/2006/main" xmlns:r="http://schemas.openxmlformats.org/officeDocument/2006/relationships" xmlns:p="http://schemas.openxmlformats.org/presentationml/2006/main" xmlns:p14="http://schemas.microsoft.com/office/powerpoint/2010/main" xmlns:mv="urn:schemas-microsoft-com:mac:vml" xmlns:mc="http://schemas.openxmlformats.org/markup-compatibility/2006" val="1048794646"/>
       </p:ext>
     </p:extLst>
   </p:cSld>
@@ -6002,7 +5291,7 @@
   <a:extraClrSchemeLst/>
   <a:extLst>
     <a:ext uri="{05A4C25C-085E-4340-85A3-A5531E510DB2}">
-      <thm15:themeFamily xmlns:thm15="http://schemas.microsoft.com/office/thememl/2012/main" xmlns:a="http://schemas.openxmlformats.org/drawingml/2006/main" xmlns="" name="Office Theme" id="{62F939B6-93AF-4DB8-9C6B-D6C7DFDC589F}" vid="{4A3C46E8-61CC-4603-A589-7422A47A8E4A}"/>
+      <thm15:themeFamily xmlns="" xmlns:a="http://schemas.openxmlformats.org/drawingml/2006/main" xmlns:thm15="http://schemas.microsoft.com/office/thememl/2012/main" name="Office Theme" id="{62F939B6-93AF-4DB8-9C6B-D6C7DFDC589F}" vid="{4A3C46E8-61CC-4603-A589-7422A47A8E4A}"/>
     </a:ext>
   </a:extLst>
 </a:theme>
